--- a/HemiBrainAge_HBM.pptx
+++ b/HemiBrainAge_HBM.pptx
@@ -63,7 +63,7 @@
         <p:txBody>
           <a:bodyPr/>
           <a:p>
-            <a:fld id="{C600C2AE-8DFB-418A-BF93-F738EF00B1C1}" type="slidenum">
+            <a:fld id="{97A6AD93-11ED-489F-B167-5FA0897CC224}" type="slidenum">
               <a:t>&lt;#&gt;</a:t>
             </a:fld>
           </a:p>
@@ -251,7 +251,7 @@
         <p:txBody>
           <a:bodyPr/>
           <a:p>
-            <a:fld id="{D4EF3C43-2C18-4BA1-B6FC-188E096C555E}" type="slidenum">
+            <a:fld id="{A9814604-F9DD-43BE-89B4-7DA2789913D5}" type="slidenum">
               <a:t>&lt;#&gt;</a:t>
             </a:fld>
           </a:p>
@@ -507,7 +507,7 @@
         <p:txBody>
           <a:bodyPr/>
           <a:p>
-            <a:fld id="{AF424F72-7914-4842-ABAA-DA2B353393C6}" type="slidenum">
+            <a:fld id="{5E4F6130-2360-415E-93F6-D2F3550A74C9}" type="slidenum">
               <a:t>&lt;#&gt;</a:t>
             </a:fld>
           </a:p>
@@ -831,7 +831,7 @@
         <p:txBody>
           <a:bodyPr/>
           <a:p>
-            <a:fld id="{B483090E-2B58-485E-9178-25DDADEAC0D0}" type="slidenum">
+            <a:fld id="{911848AB-EA05-4B2A-BEC3-C142055F8AC1}" type="slidenum">
               <a:t>&lt;#&gt;</a:t>
             </a:fld>
           </a:p>
@@ -988,7 +988,7 @@
         <p:txBody>
           <a:bodyPr/>
           <a:p>
-            <a:fld id="{907CED96-6D29-482A-91EF-9104B8D70E39}" type="slidenum">
+            <a:fld id="{D758901A-71E1-4B05-8BAA-0D76F9A37A97}" type="slidenum">
               <a:t>&lt;#&gt;</a:t>
             </a:fld>
           </a:p>
@@ -1142,7 +1142,7 @@
         <p:txBody>
           <a:bodyPr/>
           <a:p>
-            <a:fld id="{92C059B1-2EF2-4F24-85FC-9B8C8967D7E6}" type="slidenum">
+            <a:fld id="{C9315CC7-3524-4EF7-9026-27EF970B26BD}" type="slidenum">
               <a:t>&lt;#&gt;</a:t>
             </a:fld>
           </a:p>
@@ -1330,7 +1330,7 @@
         <p:txBody>
           <a:bodyPr/>
           <a:p>
-            <a:fld id="{8212851E-6386-4697-9640-0241E1E1577D}" type="slidenum">
+            <a:fld id="{03239108-BC0F-4ABE-9D0B-73263852EF54}" type="slidenum">
               <a:t>&lt;#&gt;</a:t>
             </a:fld>
           </a:p>
@@ -1450,7 +1450,7 @@
         <p:txBody>
           <a:bodyPr/>
           <a:p>
-            <a:fld id="{0AB6422B-237B-4F36-8929-018B7EE0B7A6}" type="slidenum">
+            <a:fld id="{DD42A1D6-060B-4D0E-A920-1571987FC227}" type="slidenum">
               <a:t>&lt;#&gt;</a:t>
             </a:fld>
           </a:p>
@@ -1570,7 +1570,7 @@
         <p:txBody>
           <a:bodyPr/>
           <a:p>
-            <a:fld id="{4EEFA2D4-7B27-4673-98FB-3E6BC985A2FE}" type="slidenum">
+            <a:fld id="{F9B9B8A0-FC0F-4383-A90C-32C35344F4BC}" type="slidenum">
               <a:t>&lt;#&gt;</a:t>
             </a:fld>
           </a:p>
@@ -1792,7 +1792,7 @@
         <p:txBody>
           <a:bodyPr/>
           <a:p>
-            <a:fld id="{32A5324E-F820-41D2-B1E2-CF7C66398971}" type="slidenum">
+            <a:fld id="{82EBBDC5-97E7-4683-9894-A729ADDB4FD0}" type="slidenum">
               <a:t>&lt;#&gt;</a:t>
             </a:fld>
           </a:p>
@@ -2014,7 +2014,7 @@
         <p:txBody>
           <a:bodyPr/>
           <a:p>
-            <a:fld id="{6C17DF24-05ED-409F-99B1-19C7303351D8}" type="slidenum">
+            <a:fld id="{5C169613-06A0-4C38-AF38-E6591160BF76}" type="slidenum">
               <a:t>&lt;#&gt;</a:t>
             </a:fld>
           </a:p>
@@ -2236,7 +2236,7 @@
         <p:txBody>
           <a:bodyPr/>
           <a:p>
-            <a:fld id="{FA53AEEE-7A2C-455C-98BF-43F3CE14C244}" type="slidenum">
+            <a:fld id="{67C297F4-518C-424B-B152-45BFDD22BE59}" type="slidenum">
               <a:t>&lt;#&gt;</a:t>
             </a:fld>
           </a:p>
@@ -2305,7 +2305,7 @@
         <p:spPr>
           <a:xfrm>
             <a:off x="10600920" y="38138040"/>
-            <a:ext cx="10800000" cy="2189160"/>
+            <a:ext cx="10799640" cy="2188800"/>
           </a:xfrm>
           <a:prstGeom prst="rect">
             <a:avLst/>
@@ -2341,7 +2341,7 @@
               <a:rPr b="0" lang="en-GB" sz="1400" spc="-1" strike="noStrike">
                 <a:latin typeface="Times New Roman"/>
               </a:rPr>
-              <a:t>&lt;footer&gt;</a:t>
+              <a:t> </a:t>
             </a:r>
             <a:endParaRPr b="0" lang="en-GB" sz="1400" spc="-1" strike="noStrike">
               <a:latin typeface="Times New Roman"/>
@@ -2362,7 +2362,7 @@
         <p:spPr>
           <a:xfrm>
             <a:off x="22602600" y="38138040"/>
-            <a:ext cx="7199280" cy="2189160"/>
+            <a:ext cx="7198920" cy="2188800"/>
           </a:xfrm>
           <a:prstGeom prst="rect">
             <a:avLst/>
@@ -2397,14 +2397,14 @@
               </a:lnSpc>
               <a:buNone/>
             </a:pPr>
-            <a:fld id="{4BBBB945-48AC-4A43-ABC7-9E865D6CB8C0}" type="slidenum">
+            <a:fld id="{4CD67F90-7DEE-42AC-8DFF-4B42D6674C15}" type="slidenum">
               <a:rPr b="0" lang="en-US" sz="3970" spc="-1" strike="noStrike">
                 <a:solidFill>
                   <a:srgbClr val="8b8b8b"/>
                 </a:solidFill>
                 <a:latin typeface="Calibri"/>
               </a:rPr>
-              <a:t>&lt;number&gt;</a:t>
+              <a:t>1</a:t>
             </a:fld>
             <a:endParaRPr b="0" lang="en-GB" sz="3970" spc="-1" strike="noStrike">
               <a:latin typeface="Times New Roman"/>
@@ -2425,7 +2425,7 @@
         <p:spPr>
           <a:xfrm>
             <a:off x="2200320" y="38138040"/>
-            <a:ext cx="7199280" cy="2189160"/>
+            <a:ext cx="7198920" cy="2188800"/>
           </a:xfrm>
           <a:prstGeom prst="rect">
             <a:avLst/>
@@ -2451,7 +2451,7 @@
               <a:rPr b="0" lang="en-GB" sz="1400" spc="-1" strike="noStrike">
                 <a:latin typeface="Times New Roman"/>
               </a:rPr>
-              <a:t>&lt;date/time&gt;</a:t>
+              <a:t> </a:t>
             </a:r>
             <a:endParaRPr b="0" lang="en-GB" sz="1400" spc="-1" strike="noStrike">
               <a:latin typeface="Times New Roman"/>
@@ -2731,53 +2731,14 @@
       </p:grpSpPr>
       <p:sp>
         <p:nvSpPr>
-          <p:cNvPr id="41" name="Rectangle 10"/>
+          <p:cNvPr id="41" name="Rectangle 3"/>
           <p:cNvSpPr/>
           <p:nvPr/>
         </p:nvSpPr>
         <p:spPr>
           <a:xfrm>
-            <a:off x="0" y="38340000"/>
-            <a:ext cx="32218920" cy="2841840"/>
-          </a:xfrm>
-          <a:prstGeom prst="rect">
-            <a:avLst/>
-          </a:prstGeom>
-          <a:solidFill>
-            <a:schemeClr val="tx1">
-              <a:lumMod val="85000"/>
-              <a:lumOff val="15000"/>
-            </a:schemeClr>
-          </a:solidFill>
-          <a:ln>
-            <a:noFill/>
-          </a:ln>
-        </p:spPr>
-        <p:style>
-          <a:lnRef idx="2">
-            <a:schemeClr val="accent1">
-              <a:shade val="50000"/>
-            </a:schemeClr>
-          </a:lnRef>
-          <a:fillRef idx="1">
-            <a:schemeClr val="accent1"/>
-          </a:fillRef>
-          <a:effectRef idx="0">
-            <a:schemeClr val="accent1"/>
-          </a:effectRef>
-          <a:fontRef idx="minor"/>
-        </p:style>
-      </p:sp>
-      <p:sp>
-        <p:nvSpPr>
-          <p:cNvPr id="42" name="Rectangle 4"/>
-          <p:cNvSpPr/>
-          <p:nvPr/>
-        </p:nvSpPr>
-        <p:spPr>
-          <a:xfrm>
-            <a:off x="360000" y="38520000"/>
-            <a:ext cx="5399640" cy="2519640"/>
+            <a:off x="16740000" y="14699160"/>
+            <a:ext cx="13678920" cy="19320840"/>
           </a:xfrm>
           <a:prstGeom prst="rect">
             <a:avLst/>
@@ -2839,14 +2800,53 @@
       </p:sp>
       <p:sp>
         <p:nvSpPr>
-          <p:cNvPr id="43" name="Rectangle 2"/>
+          <p:cNvPr id="42" name="Rectangle 10"/>
           <p:cNvSpPr/>
           <p:nvPr/>
         </p:nvSpPr>
         <p:spPr>
           <a:xfrm>
-            <a:off x="1897560" y="29340000"/>
-            <a:ext cx="14301720" cy="3760560"/>
+            <a:off x="0" y="38518200"/>
+            <a:ext cx="32218560" cy="2841480"/>
+          </a:xfrm>
+          <a:prstGeom prst="rect">
+            <a:avLst/>
+          </a:prstGeom>
+          <a:solidFill>
+            <a:schemeClr val="tx1">
+              <a:lumMod val="85000"/>
+              <a:lumOff val="15000"/>
+            </a:schemeClr>
+          </a:solidFill>
+          <a:ln>
+            <a:noFill/>
+          </a:ln>
+        </p:spPr>
+        <p:style>
+          <a:lnRef idx="2">
+            <a:schemeClr val="accent1">
+              <a:shade val="50000"/>
+            </a:schemeClr>
+          </a:lnRef>
+          <a:fillRef idx="1">
+            <a:schemeClr val="accent1"/>
+          </a:fillRef>
+          <a:effectRef idx="0">
+            <a:schemeClr val="accent1"/>
+          </a:effectRef>
+          <a:fontRef idx="minor"/>
+        </p:style>
+      </p:sp>
+      <p:sp>
+        <p:nvSpPr>
+          <p:cNvPr id="43" name="Rectangle 4"/>
+          <p:cNvSpPr/>
+          <p:nvPr/>
+        </p:nvSpPr>
+        <p:spPr>
+          <a:xfrm>
+            <a:off x="360000" y="38676600"/>
+            <a:ext cx="5399280" cy="2519280"/>
           </a:xfrm>
           <a:prstGeom prst="rect">
             <a:avLst/>
@@ -2908,177 +2908,14 @@
       </p:sp>
       <p:sp>
         <p:nvSpPr>
-          <p:cNvPr id="44" name="Rectangle 9"/>
+          <p:cNvPr id="44" name="Rectangle 2"/>
           <p:cNvSpPr/>
           <p:nvPr/>
         </p:nvSpPr>
         <p:spPr>
           <a:xfrm>
-            <a:off x="0" y="-62280"/>
-            <a:ext cx="32218920" cy="5944320"/>
-          </a:xfrm>
-          <a:prstGeom prst="rect">
-            <a:avLst/>
-          </a:prstGeom>
-          <a:solidFill>
-            <a:schemeClr val="tx1">
-              <a:lumMod val="85000"/>
-              <a:lumOff val="15000"/>
-            </a:schemeClr>
-          </a:solidFill>
-          <a:ln>
-            <a:noFill/>
-          </a:ln>
-        </p:spPr>
-        <p:style>
-          <a:lnRef idx="2">
-            <a:schemeClr val="accent1">
-              <a:shade val="50000"/>
-            </a:schemeClr>
-          </a:lnRef>
-          <a:fillRef idx="1">
-            <a:schemeClr val="accent1"/>
-          </a:fillRef>
-          <a:effectRef idx="0">
-            <a:schemeClr val="accent1"/>
-          </a:effectRef>
-          <a:fontRef idx="minor"/>
-        </p:style>
-      </p:sp>
-      <p:sp>
-        <p:nvSpPr>
-          <p:cNvPr id="45" name="Rectangle 1"/>
-          <p:cNvSpPr/>
-          <p:nvPr/>
-        </p:nvSpPr>
-        <p:spPr>
-          <a:xfrm>
-            <a:off x="1882800" y="416160"/>
-            <a:ext cx="27376560" cy="5439600"/>
-          </a:xfrm>
-          <a:prstGeom prst="rect">
-            <a:avLst/>
-          </a:prstGeom>
-          <a:noFill/>
-          <a:ln w="0">
-            <a:noFill/>
-          </a:ln>
-        </p:spPr>
-        <p:style>
-          <a:lnRef idx="0"/>
-          <a:fillRef idx="0"/>
-          <a:effectRef idx="0"/>
-          <a:fontRef idx="minor"/>
-        </p:style>
-        <p:txBody>
-          <a:bodyPr lIns="90000" rIns="90000" tIns="45000" bIns="45000" anchor="t">
-            <a:spAutoFit/>
-          </a:bodyPr>
-          <a:p>
-            <a:pPr>
-              <a:lnSpc>
-                <a:spcPct val="130000"/>
-              </a:lnSpc>
-              <a:buNone/>
-            </a:pPr>
-            <a:r>
-              <a:rPr b="1" lang="en-US" sz="9000" spc="-1" strike="noStrike">
-                <a:solidFill>
-                  <a:srgbClr val="ffffff"/>
-                </a:solidFill>
-                <a:latin typeface="Arial"/>
-                <a:ea typeface="Segoe UI Black"/>
-              </a:rPr>
-              <a:t>“</a:t>
-            </a:r>
-            <a:r>
-              <a:rPr b="1" lang="en-US" sz="9000" spc="-1" strike="noStrike">
-                <a:solidFill>
-                  <a:srgbClr val="ffffff"/>
-                </a:solidFill>
-                <a:latin typeface="Arial"/>
-                <a:ea typeface="Segoe UI Black"/>
-              </a:rPr>
-              <a:t>While the brain ages asymmetrically, left/right brain age is very similar to whole-brain age estimates”</a:t>
-            </a:r>
-            <a:endParaRPr b="0" lang="en-GB" sz="9000" spc="-1" strike="noStrike">
-              <a:latin typeface="Arial"/>
-            </a:endParaRPr>
-          </a:p>
-        </p:txBody>
-      </p:sp>
-      <p:sp>
-        <p:nvSpPr>
-          <p:cNvPr id="46" name="TextBox 21"/>
-          <p:cNvSpPr/>
-          <p:nvPr/>
-        </p:nvSpPr>
-        <p:spPr>
-          <a:xfrm>
-            <a:off x="7382880" y="38682720"/>
-            <a:ext cx="18172440" cy="2009880"/>
-          </a:xfrm>
-          <a:prstGeom prst="rect">
-            <a:avLst/>
-          </a:prstGeom>
-          <a:noFill/>
-          <a:ln w="0">
-            <a:noFill/>
-          </a:ln>
-        </p:spPr>
-        <p:style>
-          <a:lnRef idx="0"/>
-          <a:fillRef idx="0"/>
-          <a:effectRef idx="0"/>
-          <a:fontRef idx="minor"/>
-        </p:style>
-        <p:txBody>
-          <a:bodyPr lIns="90000" rIns="90000" tIns="45000" bIns="45000" anchor="t">
-            <a:spAutoFit/>
-          </a:bodyPr>
-          <a:p>
-            <a:pPr>
-              <a:lnSpc>
-                <a:spcPct val="100000"/>
-              </a:lnSpc>
-              <a:buNone/>
-            </a:pPr>
-            <a:r>
-              <a:rPr b="1" lang="en-US" sz="4200" spc="-1" strike="noStrike">
-                <a:solidFill>
-                  <a:srgbClr val="ffffff"/>
-                </a:solidFill>
-                <a:latin typeface="Segoe UI Light"/>
-                <a:ea typeface="Noto Sans CJK SC"/>
-              </a:rPr>
-              <a:t>Max Korbmacher (makor@hvl.no)</a:t>
-            </a:r>
-            <a:r>
-              <a:rPr b="0" lang="en-US" sz="4200" spc="-1" strike="noStrike">
-                <a:solidFill>
-                  <a:srgbClr val="ffffff"/>
-                </a:solidFill>
-                <a:latin typeface="Segoe UI Light"/>
-                <a:ea typeface="Noto Sans CJK SC"/>
-              </a:rPr>
-              <a:t>, Ann-Marie de Lange, Dennis van der Meer, Dani Beck, Eli Eikefjord, Arvid Lundervold, Ole A. Andreassen, Lars T. Westlye, Ivan I. Maximov</a:t>
-            </a:r>
-            <a:endParaRPr b="0" lang="en-GB" sz="4200" spc="-1" strike="noStrike">
-              <a:latin typeface="Arial"/>
-            </a:endParaRPr>
-          </a:p>
-        </p:txBody>
-      </p:sp>
-      <p:sp>
-        <p:nvSpPr>
-          <p:cNvPr id="47" name="Rectangle 16"/>
-          <p:cNvSpPr/>
-          <p:nvPr/>
-        </p:nvSpPr>
-        <p:spPr>
-          <a:xfrm>
-            <a:off x="1897560" y="14134680"/>
-            <a:ext cx="14482440" cy="14665320"/>
+            <a:off x="1897560" y="29310480"/>
+            <a:ext cx="14482440" cy="4709520"/>
           </a:xfrm>
           <a:prstGeom prst="rect">
             <a:avLst/>
@@ -3140,14 +2977,53 @@
       </p:sp>
       <p:sp>
         <p:nvSpPr>
-          <p:cNvPr id="48" name="TextBox 31"/>
+          <p:cNvPr id="45" name="Rectangle 9"/>
           <p:cNvSpPr/>
           <p:nvPr/>
         </p:nvSpPr>
         <p:spPr>
           <a:xfrm>
-            <a:off x="2138400" y="14353560"/>
-            <a:ext cx="6321600" cy="6811200"/>
+            <a:off x="0" y="-62280"/>
+            <a:ext cx="32218560" cy="5943960"/>
+          </a:xfrm>
+          <a:prstGeom prst="rect">
+            <a:avLst/>
+          </a:prstGeom>
+          <a:solidFill>
+            <a:schemeClr val="tx1">
+              <a:lumMod val="85000"/>
+              <a:lumOff val="15000"/>
+            </a:schemeClr>
+          </a:solidFill>
+          <a:ln>
+            <a:noFill/>
+          </a:ln>
+        </p:spPr>
+        <p:style>
+          <a:lnRef idx="2">
+            <a:schemeClr val="accent1">
+              <a:shade val="50000"/>
+            </a:schemeClr>
+          </a:lnRef>
+          <a:fillRef idx="1">
+            <a:schemeClr val="accent1"/>
+          </a:fillRef>
+          <a:effectRef idx="0">
+            <a:schemeClr val="accent1"/>
+          </a:effectRef>
+          <a:fontRef idx="minor"/>
+        </p:style>
+      </p:sp>
+      <p:sp>
+        <p:nvSpPr>
+          <p:cNvPr id="46" name="Rectangle 1"/>
+          <p:cNvSpPr/>
+          <p:nvPr/>
+        </p:nvSpPr>
+        <p:spPr>
+          <a:xfrm>
+            <a:off x="1882800" y="0"/>
+            <a:ext cx="27376200" cy="5439600"/>
           </a:xfrm>
           <a:prstGeom prst="rect">
             <a:avLst/>
@@ -3170,41 +3046,31 @@
           <a:p>
             <a:pPr>
               <a:lnSpc>
-                <a:spcPct val="150000"/>
+                <a:spcPct val="130000"/>
               </a:lnSpc>
               <a:buNone/>
             </a:pPr>
             <a:r>
-              <a:rPr b="1" lang="en-US" sz="4200" spc="-1" strike="noStrike">
+              <a:rPr b="1" lang="en-US" sz="9000" spc="-1" strike="noStrike">
                 <a:solidFill>
-                  <a:srgbClr val="000000"/>
+                  <a:srgbClr val="ffffff"/>
                 </a:solidFill>
-                <a:latin typeface="Segoe UI Black"/>
+                <a:latin typeface="Arial"/>
                 <a:ea typeface="Segoe UI Black"/>
               </a:rPr>
-              <a:t>Result 1:</a:t>
+              <a:t>“</a:t>
             </a:r>
             <a:r>
-              <a:rPr b="0" lang="en-US" sz="4200" spc="-1" strike="noStrike">
+              <a:rPr b="1" lang="en-US" sz="9000" spc="-1" strike="noStrike">
                 <a:solidFill>
-                  <a:srgbClr val="000000"/>
+                  <a:srgbClr val="ffffff"/>
                 </a:solidFill>
-                <a:latin typeface="Segoe UI Black"/>
+                <a:latin typeface="Arial"/>
                 <a:ea typeface="Segoe UI Black"/>
               </a:rPr>
-              <a:t> Left, right, and whole-brain age predictions are strongly correlated across modalities </a:t>
+              <a:t>Asymmetric brain ageing is reflected by left/right brain ages which are very similar to whole-brain age estimates”</a:t>
             </a:r>
-            <a:r>
-              <a:rPr b="0" lang="en-US" sz="4200" spc="-1" strike="noStrike">
-                <a:solidFill>
-                  <a:srgbClr val="000000"/>
-                </a:solidFill>
-                <a:latin typeface="Segoe UI Black"/>
-                <a:ea typeface="Segoe UI Black"/>
-              </a:rPr>
-              <a:t>and show similar prediction errors.</a:t>
-            </a:r>
-            <a:endParaRPr b="0" lang="en-GB" sz="4200" spc="-1" strike="noStrike">
+            <a:endParaRPr b="0" lang="en-GB" sz="9000" spc="-1" strike="noStrike">
               <a:latin typeface="Arial"/>
             </a:endParaRPr>
           </a:p>
@@ -3212,141 +3078,14 @@
       </p:sp>
       <p:sp>
         <p:nvSpPr>
-          <p:cNvPr id="49" name="TextBox 2"/>
+          <p:cNvPr id="47" name="TextBox 21"/>
           <p:cNvSpPr/>
           <p:nvPr/>
         </p:nvSpPr>
         <p:spPr>
           <a:xfrm>
-            <a:off x="1897560" y="7824600"/>
-            <a:ext cx="28522440" cy="5664960"/>
-          </a:xfrm>
-          <a:prstGeom prst="rect">
-            <a:avLst/>
-          </a:prstGeom>
-          <a:solidFill>
-            <a:schemeClr val="bg1">
-              <a:lumMod val="95000"/>
-            </a:schemeClr>
-          </a:solidFill>
-          <a:ln w="0">
-            <a:noFill/>
-          </a:ln>
-        </p:spPr>
-        <p:style>
-          <a:lnRef idx="0"/>
-          <a:fillRef idx="0"/>
-          <a:effectRef idx="0"/>
-          <a:fontRef idx="minor"/>
-        </p:style>
-        <p:txBody>
-          <a:bodyPr lIns="432360" rIns="432360" tIns="432360" bIns="432360" anchor="t">
-            <a:spAutoFit/>
-          </a:bodyPr>
-          <a:p>
-            <a:pPr>
-              <a:lnSpc>
-                <a:spcPct val="150000"/>
-              </a:lnSpc>
-              <a:buNone/>
-            </a:pPr>
-            <a:r>
-              <a:rPr b="1" lang="en-US" sz="4200" spc="-1" strike="noStrike">
-                <a:solidFill>
-                  <a:srgbClr val="000000"/>
-                </a:solidFill>
-                <a:latin typeface="Segoe UI"/>
-                <a:ea typeface="Segoe UI Black"/>
-              </a:rPr>
-              <a:t>Background: </a:t>
-            </a:r>
-            <a:r>
-              <a:rPr b="0" lang="en-US" sz="4200" spc="-1" strike="noStrike">
-                <a:solidFill>
-                  <a:srgbClr val="000000"/>
-                </a:solidFill>
-                <a:latin typeface="Segoe UI"/>
-                <a:ea typeface="Segoe UI Black"/>
-              </a:rPr>
-              <a:t>The brain demonstrates various age-sensitive asymmetries. Yet, a systematic mapping of grey and white matter asymmetries from midlife to old adulthood is still missing.</a:t>
-            </a:r>
-            <a:endParaRPr b="0" lang="en-GB" sz="4200" spc="-1" strike="noStrike">
-              <a:latin typeface="Arial"/>
-            </a:endParaRPr>
-          </a:p>
-          <a:p>
-            <a:pPr>
-              <a:lnSpc>
-                <a:spcPct val="150000"/>
-              </a:lnSpc>
-              <a:buNone/>
-            </a:pPr>
-            <a:r>
-              <a:rPr b="1" lang="en-US" sz="4200" spc="-1" strike="noStrike">
-                <a:solidFill>
-                  <a:srgbClr val="000000"/>
-                </a:solidFill>
-                <a:latin typeface="Segoe UI"/>
-                <a:ea typeface="Segoe UI Black"/>
-              </a:rPr>
-              <a:t>Method:</a:t>
-            </a:r>
-            <a:r>
-              <a:rPr b="0" lang="en-US" sz="4200" spc="-1" strike="noStrike">
-                <a:solidFill>
-                  <a:srgbClr val="000000"/>
-                </a:solidFill>
-                <a:latin typeface="Segoe UI"/>
-                <a:ea typeface="Segoe UI Black"/>
-              </a:rPr>
-              <a:t> We hence present brain asymmetries from multimodal magnetic resonance imaging (MRI) UK Biobank (</a:t>
-            </a:r>
-            <a:r>
-              <a:rPr b="0" i="1" lang="en-US" sz="4200" spc="-1" strike="noStrike">
-                <a:solidFill>
-                  <a:srgbClr val="000000"/>
-                </a:solidFill>
-                <a:latin typeface="Segoe UI"/>
-                <a:ea typeface="Segoe UI Black"/>
-              </a:rPr>
-              <a:t>N</a:t>
-            </a:r>
-            <a:r>
-              <a:rPr b="0" lang="en-US" sz="4200" spc="-1" strike="noStrike">
-                <a:solidFill>
-                  <a:srgbClr val="000000"/>
-                </a:solidFill>
-                <a:latin typeface="Segoe UI"/>
-                <a:ea typeface="Segoe UI Black"/>
-              </a:rPr>
-              <a:t> &gt; 39,500) data using the laterality index. W</a:t>
-            </a:r>
-            <a:r>
-              <a:rPr b="0" lang="en-US" sz="4200" spc="-1" strike="noStrike">
-                <a:solidFill>
-                  <a:srgbClr val="000000"/>
-                </a:solidFill>
-                <a:latin typeface="Segoe UI"/>
-                <a:ea typeface="Segoe UI Black"/>
-              </a:rPr>
-              <a:t>e furthermore present how to leverage such asymmetries by estimating brain age from the left/right hemispere instead of the whole brain. </a:t>
-            </a:r>
-            <a:endParaRPr b="0" lang="en-GB" sz="4200" spc="-1" strike="noStrike">
-              <a:latin typeface="Arial"/>
-            </a:endParaRPr>
-          </a:p>
-        </p:txBody>
-      </p:sp>
-      <p:sp>
-        <p:nvSpPr>
-          <p:cNvPr id="50" name="TextBox 40"/>
-          <p:cNvSpPr/>
-          <p:nvPr/>
-        </p:nvSpPr>
-        <p:spPr>
-          <a:xfrm>
-            <a:off x="1839600" y="6276240"/>
-            <a:ext cx="29174760" cy="1040400"/>
+            <a:off x="7382880" y="38860920"/>
+            <a:ext cx="18172080" cy="2009880"/>
           </a:xfrm>
           <a:prstGeom prst="rect">
             <a:avLst/>
@@ -3374,76 +3113,24 @@
               <a:buNone/>
             </a:pPr>
             <a:r>
-              <a:rPr b="0" i="1" lang="en-US" sz="6240" spc="-1" strike="noStrike">
-                <a:solidFill>
-                  <a:srgbClr val="262626"/>
-                </a:solidFill>
-                <a:latin typeface="Segoe UI"/>
-                <a:ea typeface="DejaVu Sans"/>
-              </a:rPr>
-              <a:t>Brain asymmetries from midlife to old adulthood</a:t>
-            </a:r>
-            <a:endParaRPr b="0" lang="en-GB" sz="6240" spc="-1" strike="noStrike">
-              <a:latin typeface="Arial"/>
-            </a:endParaRPr>
-          </a:p>
-        </p:txBody>
-      </p:sp>
-      <p:sp>
-        <p:nvSpPr>
-          <p:cNvPr id="51" name="TextBox 1"/>
-          <p:cNvSpPr/>
-          <p:nvPr/>
-        </p:nvSpPr>
-        <p:spPr>
-          <a:xfrm>
-            <a:off x="2160000" y="29410200"/>
-            <a:ext cx="14039280" cy="1049760"/>
-          </a:xfrm>
-          <a:prstGeom prst="rect">
-            <a:avLst/>
-          </a:prstGeom>
-          <a:noFill/>
-          <a:ln w="0">
-            <a:noFill/>
-          </a:ln>
-        </p:spPr>
-        <p:style>
-          <a:lnRef idx="0"/>
-          <a:fillRef idx="0"/>
-          <a:effectRef idx="0"/>
-          <a:fontRef idx="minor"/>
-        </p:style>
-        <p:txBody>
-          <a:bodyPr lIns="90000" rIns="90000" tIns="45000" bIns="45000" anchor="t">
-            <a:spAutoFit/>
-          </a:bodyPr>
-          <a:p>
-            <a:pPr>
-              <a:lnSpc>
-                <a:spcPct val="150000"/>
-              </a:lnSpc>
-              <a:buNone/>
-            </a:pPr>
-            <a:r>
               <a:rPr b="1" lang="en-US" sz="4200" spc="-1" strike="noStrike">
                 <a:solidFill>
-                  <a:srgbClr val="000000"/>
+                  <a:srgbClr val="ffffff"/>
                 </a:solidFill>
-                <a:latin typeface="Segoe UI Black"/>
-                <a:ea typeface="Segoe UI Black"/>
+                <a:latin typeface="Segoe UI Light"/>
+                <a:ea typeface="Noto Sans CJK SC"/>
               </a:rPr>
-              <a:t>Result 2:</a:t>
+              <a:t>Max Korbmacher (makor@hvl.no)</a:t>
             </a:r>
             <a:r>
               <a:rPr b="0" lang="en-US" sz="4200" spc="-1" strike="noStrike">
                 <a:solidFill>
-                  <a:srgbClr val="000000"/>
+                  <a:srgbClr val="ffffff"/>
                 </a:solidFill>
-                <a:latin typeface="Segoe UI Black"/>
-                <a:ea typeface="Segoe UI Black"/>
+                <a:latin typeface="Segoe UI Light"/>
+                <a:ea typeface="Noto Sans CJK SC"/>
               </a:rPr>
-              <a:t> </a:t>
+              <a:t>, Ann-Marie de Lange, Dennis van der Meer, Dani Beck, Eli Eikefjord, Arvid Lundervold, Ole A. Andreassen, Lars T. Westlye, Ivan I. Maximov</a:t>
             </a:r>
             <a:endParaRPr b="0" lang="en-GB" sz="4200" spc="-1" strike="noStrike">
               <a:latin typeface="Arial"/>
@@ -3451,226 +3138,16 @@
           </a:p>
         </p:txBody>
       </p:sp>
-      <p:pic>
-        <p:nvPicPr>
-          <p:cNvPr id="52" name="" descr=""/>
-          <p:cNvPicPr/>
+      <p:sp>
+        <p:nvSpPr>
+          <p:cNvPr id="48" name="Rectangle 16"/>
+          <p:cNvSpPr/>
           <p:nvPr/>
-        </p:nvPicPr>
-        <p:blipFill>
-          <a:blip r:embed="rId1"/>
-          <a:stretch/>
-        </p:blipFill>
+        </p:nvSpPr>
         <p:spPr>
           <a:xfrm>
-            <a:off x="4669920" y="39248640"/>
-            <a:ext cx="1078920" cy="1078920"/>
-          </a:xfrm>
-          <a:prstGeom prst="rect">
-            <a:avLst/>
-          </a:prstGeom>
-          <a:ln w="0">
-            <a:noFill/>
-          </a:ln>
-        </p:spPr>
-      </p:pic>
-      <p:pic>
-        <p:nvPicPr>
-          <p:cNvPr id="53" name="" descr=""/>
-          <p:cNvPicPr/>
-          <p:nvPr/>
-        </p:nvPicPr>
-        <p:blipFill>
-          <a:blip r:embed="rId2"/>
-          <a:stretch/>
-        </p:blipFill>
-        <p:spPr>
-          <a:xfrm>
-            <a:off x="462600" y="38619360"/>
-            <a:ext cx="3983760" cy="1152360"/>
-          </a:xfrm>
-          <a:prstGeom prst="rect">
-            <a:avLst/>
-          </a:prstGeom>
-          <a:ln w="0">
-            <a:noFill/>
-          </a:ln>
-        </p:spPr>
-      </p:pic>
-      <p:pic>
-        <p:nvPicPr>
-          <p:cNvPr id="54" name="" descr=""/>
-          <p:cNvPicPr/>
-          <p:nvPr/>
-        </p:nvPicPr>
-        <p:blipFill>
-          <a:blip r:embed="rId3"/>
-          <a:stretch/>
-        </p:blipFill>
-        <p:spPr>
-          <a:xfrm>
-            <a:off x="451080" y="40028040"/>
-            <a:ext cx="3687840" cy="937440"/>
-          </a:xfrm>
-          <a:prstGeom prst="rect">
-            <a:avLst/>
-          </a:prstGeom>
-          <a:ln w="0">
-            <a:noFill/>
-          </a:ln>
-        </p:spPr>
-      </p:pic>
-      <p:sp>
-        <p:nvSpPr>
-          <p:cNvPr id="55" name="TextBox 3"/>
-          <p:cNvSpPr/>
-          <p:nvPr/>
-        </p:nvSpPr>
-        <p:spPr>
-          <a:xfrm>
-            <a:off x="1882800" y="33848640"/>
-            <a:ext cx="28536480" cy="3744720"/>
-          </a:xfrm>
-          <a:prstGeom prst="rect">
-            <a:avLst/>
-          </a:prstGeom>
-          <a:solidFill>
-            <a:schemeClr val="bg1">
-              <a:lumMod val="95000"/>
-            </a:schemeClr>
-          </a:solidFill>
-          <a:ln w="0">
-            <a:noFill/>
-          </a:ln>
-        </p:spPr>
-        <p:style>
-          <a:lnRef idx="0"/>
-          <a:fillRef idx="0"/>
-          <a:effectRef idx="0"/>
-          <a:fontRef idx="minor"/>
-        </p:style>
-        <p:txBody>
-          <a:bodyPr lIns="432360" rIns="432360" tIns="432360" bIns="432360" anchor="t">
-            <a:spAutoFit/>
-          </a:bodyPr>
-          <a:p>
-            <a:pPr>
-              <a:lnSpc>
-                <a:spcPct val="150000"/>
-              </a:lnSpc>
-              <a:buNone/>
-            </a:pPr>
-            <a:r>
-              <a:rPr b="1" lang="en-US" sz="4200" spc="-1" strike="noStrike">
-                <a:solidFill>
-                  <a:srgbClr val="000000"/>
-                </a:solidFill>
-                <a:latin typeface="Segoe UI"/>
-                <a:ea typeface="Segoe UI Black"/>
-              </a:rPr>
-              <a:t>Conclusion:</a:t>
-            </a:r>
-            <a:r>
-              <a:rPr b="0" lang="en-US" sz="4200" spc="-1" strike="noStrike">
-                <a:solidFill>
-                  <a:srgbClr val="000000"/>
-                </a:solidFill>
-                <a:latin typeface="Segoe UI"/>
-                <a:ea typeface="Segoe UI Black"/>
-              </a:rPr>
-              <a:t> Our findings emphasise age-dependencies in regional and whole-brain asymmetries. The laterality index of brain age and the majority of brain features decreases with higher ages, indicating an overall decrease in brain asymmetry at higher ages.</a:t>
-            </a:r>
-            <a:endParaRPr b="0" lang="en-GB" sz="4200" spc="-1" strike="noStrike">
-              <a:latin typeface="Arial"/>
-            </a:endParaRPr>
-          </a:p>
-        </p:txBody>
-      </p:sp>
-      <p:sp>
-        <p:nvSpPr>
-          <p:cNvPr id="56" name=""/>
-          <p:cNvSpPr/>
-          <p:nvPr/>
-        </p:nvSpPr>
-        <p:spPr>
-          <a:xfrm>
-            <a:off x="25084800" y="40409640"/>
-            <a:ext cx="7199640" cy="1634760"/>
-          </a:xfrm>
-          <a:prstGeom prst="rect">
-            <a:avLst/>
-          </a:prstGeom>
-          <a:noFill/>
-          <a:ln w="0">
-            <a:noFill/>
-          </a:ln>
-        </p:spPr>
-        <p:style>
-          <a:lnRef idx="0"/>
-          <a:fillRef idx="0"/>
-          <a:effectRef idx="0"/>
-          <a:fontRef idx="minor"/>
-        </p:style>
-        <p:txBody>
-          <a:bodyPr lIns="90000" rIns="90000" tIns="45000" bIns="45000" anchor="t">
-            <a:noAutofit/>
-          </a:bodyPr>
-          <a:p>
-            <a:pPr>
-              <a:lnSpc>
-                <a:spcPct val="100000"/>
-              </a:lnSpc>
-              <a:buNone/>
-            </a:pPr>
-            <a:r>
-              <a:rPr b="0" lang="en-US" sz="3600" spc="-1" strike="noStrike">
-                <a:solidFill>
-                  <a:srgbClr val="ffffff"/>
-                </a:solidFill>
-                <a:latin typeface="Segoe UI Light"/>
-                <a:ea typeface="DejaVu Sans"/>
-              </a:rPr>
-              <a:t>For more info see the preprint</a:t>
-            </a:r>
-            <a:endParaRPr b="0" lang="en-GB" sz="3600" spc="-1" strike="noStrike">
-              <a:latin typeface="Arial"/>
-            </a:endParaRPr>
-          </a:p>
-        </p:txBody>
-      </p:sp>
-      <p:pic>
-        <p:nvPicPr>
-          <p:cNvPr id="57" name="" descr=""/>
-          <p:cNvPicPr/>
-          <p:nvPr/>
-        </p:nvPicPr>
-        <p:blipFill>
-          <a:blip r:embed="rId4"/>
-          <a:stretch/>
-        </p:blipFill>
-        <p:spPr>
-          <a:xfrm>
-            <a:off x="27180000" y="36787680"/>
-            <a:ext cx="3599280" cy="3599280"/>
-          </a:xfrm>
-          <a:prstGeom prst="rect">
-            <a:avLst/>
-          </a:prstGeom>
-          <a:ln w="0">
-            <a:noFill/>
-          </a:ln>
-        </p:spPr>
-      </p:pic>
-      <p:sp>
-        <p:nvSpPr>
-          <p:cNvPr id="58" name="Rectangle 3"/>
-          <p:cNvSpPr/>
-          <p:nvPr/>
-        </p:nvSpPr>
-        <p:spPr>
-          <a:xfrm>
-            <a:off x="17017560" y="14164560"/>
-            <a:ext cx="13401720" cy="18861120"/>
+            <a:off x="1897560" y="14669280"/>
+            <a:ext cx="14482080" cy="14310720"/>
           </a:xfrm>
           <a:prstGeom prst="rect">
             <a:avLst/>
@@ -3732,14 +3209,514 @@
       </p:sp>
       <p:sp>
         <p:nvSpPr>
-          <p:cNvPr id="59" name="TextBox 5"/>
+          <p:cNvPr id="49" name="TextBox 31"/>
           <p:cNvSpPr/>
           <p:nvPr/>
         </p:nvSpPr>
         <p:spPr>
           <a:xfrm>
-            <a:off x="8798040" y="21617640"/>
-            <a:ext cx="7581600" cy="386640"/>
+            <a:off x="2138400" y="14751360"/>
+            <a:ext cx="6321240" cy="6488640"/>
+          </a:xfrm>
+          <a:prstGeom prst="rect">
+            <a:avLst/>
+          </a:prstGeom>
+          <a:noFill/>
+          <a:ln w="0">
+            <a:noFill/>
+          </a:ln>
+        </p:spPr>
+        <p:style>
+          <a:lnRef idx="0"/>
+          <a:fillRef idx="0"/>
+          <a:effectRef idx="0"/>
+          <a:fontRef idx="minor"/>
+        </p:style>
+        <p:txBody>
+          <a:bodyPr lIns="90000" rIns="90000" tIns="45000" bIns="45000" anchor="t">
+            <a:spAutoFit/>
+          </a:bodyPr>
+          <a:p>
+            <a:pPr>
+              <a:lnSpc>
+                <a:spcPct val="150000"/>
+              </a:lnSpc>
+              <a:buNone/>
+            </a:pPr>
+            <a:r>
+              <a:rPr b="1" lang="en-US" sz="4000" spc="-1" strike="noStrike">
+                <a:solidFill>
+                  <a:srgbClr val="000000"/>
+                </a:solidFill>
+                <a:latin typeface="Segoe UI Black"/>
+                <a:ea typeface="Segoe UI Black"/>
+              </a:rPr>
+              <a:t>Result 1:</a:t>
+            </a:r>
+            <a:r>
+              <a:rPr b="0" lang="en-US" sz="4000" spc="-1" strike="noStrike">
+                <a:solidFill>
+                  <a:srgbClr val="000000"/>
+                </a:solidFill>
+                <a:latin typeface="Segoe UI Black"/>
+                <a:ea typeface="Segoe UI Black"/>
+              </a:rPr>
+              <a:t> Left, right, and whole-brain age predictions are strongly correlated across modalities and show similar prediction errors.</a:t>
+            </a:r>
+            <a:endParaRPr b="0" lang="en-GB" sz="4000" spc="-1" strike="noStrike">
+              <a:latin typeface="Arial"/>
+            </a:endParaRPr>
+          </a:p>
+        </p:txBody>
+      </p:sp>
+      <p:sp>
+        <p:nvSpPr>
+          <p:cNvPr id="50" name="TextBox 2"/>
+          <p:cNvSpPr/>
+          <p:nvPr/>
+        </p:nvSpPr>
+        <p:spPr>
+          <a:xfrm>
+            <a:off x="1897560" y="7732080"/>
+            <a:ext cx="28522080" cy="6349320"/>
+          </a:xfrm>
+          <a:prstGeom prst="rect">
+            <a:avLst/>
+          </a:prstGeom>
+          <a:solidFill>
+            <a:schemeClr val="bg1">
+              <a:lumMod val="95000"/>
+            </a:schemeClr>
+          </a:solidFill>
+          <a:ln w="0">
+            <a:noFill/>
+          </a:ln>
+        </p:spPr>
+        <p:style>
+          <a:lnRef idx="0"/>
+          <a:fillRef idx="0"/>
+          <a:effectRef idx="0"/>
+          <a:fontRef idx="minor"/>
+        </p:style>
+        <p:txBody>
+          <a:bodyPr lIns="432360" rIns="432360" tIns="432360" bIns="432360" anchor="t">
+            <a:spAutoFit/>
+          </a:bodyPr>
+          <a:p>
+            <a:pPr>
+              <a:lnSpc>
+                <a:spcPct val="150000"/>
+              </a:lnSpc>
+              <a:buNone/>
+            </a:pPr>
+            <a:r>
+              <a:rPr b="1" lang="en-US" sz="4000" spc="-1" strike="noStrike">
+                <a:solidFill>
+                  <a:srgbClr val="000000"/>
+                </a:solidFill>
+                <a:latin typeface="Segoe UI"/>
+                <a:ea typeface="Segoe UI Black"/>
+              </a:rPr>
+              <a:t>Background: </a:t>
+            </a:r>
+            <a:r>
+              <a:rPr b="0" lang="en-US" sz="4000" spc="-1" strike="noStrike">
+                <a:solidFill>
+                  <a:srgbClr val="000000"/>
+                </a:solidFill>
+                <a:latin typeface="Segoe UI"/>
+                <a:ea typeface="Segoe UI Black"/>
+              </a:rPr>
+              <a:t>The brain demonstrates various age-sensitive asymmetries. Yet, a systematic mapping of grey and white matter asymmetries from midlife to old adulthood is still missing.</a:t>
+            </a:r>
+            <a:endParaRPr b="0" lang="en-GB" sz="4000" spc="-1" strike="noStrike">
+              <a:latin typeface="Arial"/>
+            </a:endParaRPr>
+          </a:p>
+          <a:p>
+            <a:pPr>
+              <a:lnSpc>
+                <a:spcPct val="150000"/>
+              </a:lnSpc>
+              <a:buNone/>
+            </a:pPr>
+            <a:r>
+              <a:rPr b="1" lang="en-US" sz="4000" spc="-1" strike="noStrike">
+                <a:solidFill>
+                  <a:srgbClr val="000000"/>
+                </a:solidFill>
+                <a:latin typeface="Segoe UI"/>
+                <a:ea typeface="Segoe UI Black"/>
+              </a:rPr>
+              <a:t>Method:</a:t>
+            </a:r>
+            <a:r>
+              <a:rPr b="0" lang="en-US" sz="4000" spc="-1" strike="noStrike">
+                <a:solidFill>
+                  <a:srgbClr val="000000"/>
+                </a:solidFill>
+                <a:latin typeface="Segoe UI"/>
+                <a:ea typeface="Segoe UI Black"/>
+              </a:rPr>
+              <a:t> We hence present brain asymmetries from multimodal magnetic resonance imaging (MRI) UK Biobank (</a:t>
+            </a:r>
+            <a:r>
+              <a:rPr b="0" i="1" lang="en-US" sz="4000" spc="-1" strike="noStrike">
+                <a:solidFill>
+                  <a:srgbClr val="000000"/>
+                </a:solidFill>
+                <a:latin typeface="Segoe UI"/>
+                <a:ea typeface="Segoe UI Black"/>
+              </a:rPr>
+              <a:t>N</a:t>
+            </a:r>
+            <a:r>
+              <a:rPr b="0" lang="en-US" sz="4000" spc="-1" strike="noStrike">
+                <a:solidFill>
+                  <a:srgbClr val="000000"/>
+                </a:solidFill>
+                <a:latin typeface="Segoe UI"/>
+                <a:ea typeface="Segoe UI Black"/>
+              </a:rPr>
+              <a:t> &gt; 39,500) data using the laterality index (LI). We furthermore present how to leverage brain asymmetries by estimating hemispheric brain age (HBA) from the left/right hemispere instead of the whole brain. </a:t>
+            </a:r>
+            <a:endParaRPr b="0" lang="en-GB" sz="4000" spc="-1" strike="noStrike">
+              <a:latin typeface="Arial"/>
+            </a:endParaRPr>
+          </a:p>
+        </p:txBody>
+      </p:sp>
+      <p:sp>
+        <p:nvSpPr>
+          <p:cNvPr id="51" name="TextBox 40"/>
+          <p:cNvSpPr/>
+          <p:nvPr/>
+        </p:nvSpPr>
+        <p:spPr>
+          <a:xfrm>
+            <a:off x="1839600" y="6276240"/>
+            <a:ext cx="29174400" cy="1040400"/>
+          </a:xfrm>
+          <a:prstGeom prst="rect">
+            <a:avLst/>
+          </a:prstGeom>
+          <a:noFill/>
+          <a:ln w="0">
+            <a:noFill/>
+          </a:ln>
+        </p:spPr>
+        <p:style>
+          <a:lnRef idx="0"/>
+          <a:fillRef idx="0"/>
+          <a:effectRef idx="0"/>
+          <a:fontRef idx="minor"/>
+        </p:style>
+        <p:txBody>
+          <a:bodyPr lIns="90000" rIns="90000" tIns="45000" bIns="45000" anchor="t">
+            <a:spAutoFit/>
+          </a:bodyPr>
+          <a:p>
+            <a:pPr>
+              <a:lnSpc>
+                <a:spcPct val="100000"/>
+              </a:lnSpc>
+              <a:buNone/>
+            </a:pPr>
+            <a:r>
+              <a:rPr b="0" i="1" lang="en-US" sz="6240" spc="-1" strike="noStrike">
+                <a:solidFill>
+                  <a:srgbClr val="262626"/>
+                </a:solidFill>
+                <a:latin typeface="Segoe UI"/>
+                <a:ea typeface="DejaVu Sans"/>
+              </a:rPr>
+              <a:t>Brain asymmetries from midlife to old adulthood: hemispheric brain age</a:t>
+            </a:r>
+            <a:endParaRPr b="0" lang="en-GB" sz="6240" spc="-1" strike="noStrike">
+              <a:latin typeface="Arial"/>
+            </a:endParaRPr>
+          </a:p>
+        </p:txBody>
+      </p:sp>
+      <p:sp>
+        <p:nvSpPr>
+          <p:cNvPr id="52" name="TextBox 1"/>
+          <p:cNvSpPr/>
+          <p:nvPr/>
+        </p:nvSpPr>
+        <p:spPr>
+          <a:xfrm>
+            <a:off x="2160000" y="29160000"/>
+            <a:ext cx="14038920" cy="4660560"/>
+          </a:xfrm>
+          <a:prstGeom prst="rect">
+            <a:avLst/>
+          </a:prstGeom>
+          <a:noFill/>
+          <a:ln w="0">
+            <a:noFill/>
+          </a:ln>
+        </p:spPr>
+        <p:style>
+          <a:lnRef idx="0"/>
+          <a:fillRef idx="0"/>
+          <a:effectRef idx="0"/>
+          <a:fontRef idx="minor"/>
+        </p:style>
+        <p:txBody>
+          <a:bodyPr lIns="90000" rIns="90000" tIns="45000" bIns="45000" anchor="t">
+            <a:spAutoFit/>
+          </a:bodyPr>
+          <a:p>
+            <a:pPr>
+              <a:lnSpc>
+                <a:spcPct val="150000"/>
+              </a:lnSpc>
+              <a:buNone/>
+            </a:pPr>
+            <a:r>
+              <a:rPr b="1" lang="en-US" sz="4000" spc="-1" strike="noStrike">
+                <a:solidFill>
+                  <a:srgbClr val="000000"/>
+                </a:solidFill>
+                <a:latin typeface="Segoe UI Black"/>
+                <a:ea typeface="Segoe UI Black"/>
+              </a:rPr>
+              <a:t>Result 2:</a:t>
+            </a:r>
+            <a:r>
+              <a:rPr b="0" lang="en-US" sz="4000" spc="-1" strike="noStrike">
+                <a:solidFill>
+                  <a:srgbClr val="000000"/>
+                </a:solidFill>
+                <a:latin typeface="Segoe UI Black"/>
+                <a:ea typeface="Segoe UI Black"/>
+              </a:rPr>
+              <a:t> We find no significant influence </a:t>
+            </a:r>
+            <a:r>
+              <a:rPr b="0" lang="en-US" sz="4000" spc="-1" strike="noStrike">
+                <a:solidFill>
+                  <a:srgbClr val="000000"/>
+                </a:solidFill>
+                <a:latin typeface="Segoe UI Black"/>
+                <a:ea typeface="Segoe UI Black"/>
+              </a:rPr>
+              <a:t>(p &gt; 0.05) of hemisphere, modality or handedness on HBA, but age-sensitivity of the HBA asymmetry. Finally, we show that various cardiometabolic risk factors concordantly relate to HBA (see preprint).</a:t>
+            </a:r>
+            <a:endParaRPr b="0" lang="en-GB" sz="4000" spc="-1" strike="noStrike">
+              <a:latin typeface="Arial"/>
+            </a:endParaRPr>
+          </a:p>
+        </p:txBody>
+      </p:sp>
+      <p:pic>
+        <p:nvPicPr>
+          <p:cNvPr id="53" name="" descr=""/>
+          <p:cNvPicPr/>
+          <p:nvPr/>
+        </p:nvPicPr>
+        <p:blipFill>
+          <a:blip r:embed="rId1"/>
+          <a:stretch/>
+        </p:blipFill>
+        <p:spPr>
+          <a:xfrm>
+            <a:off x="4669920" y="39426840"/>
+            <a:ext cx="1078560" cy="1078560"/>
+          </a:xfrm>
+          <a:prstGeom prst="rect">
+            <a:avLst/>
+          </a:prstGeom>
+          <a:ln w="0">
+            <a:noFill/>
+          </a:ln>
+        </p:spPr>
+      </p:pic>
+      <p:pic>
+        <p:nvPicPr>
+          <p:cNvPr id="54" name="" descr=""/>
+          <p:cNvPicPr/>
+          <p:nvPr/>
+        </p:nvPicPr>
+        <p:blipFill>
+          <a:blip r:embed="rId2"/>
+          <a:stretch/>
+        </p:blipFill>
+        <p:spPr>
+          <a:xfrm>
+            <a:off x="462600" y="38797560"/>
+            <a:ext cx="3983400" cy="1152000"/>
+          </a:xfrm>
+          <a:prstGeom prst="rect">
+            <a:avLst/>
+          </a:prstGeom>
+          <a:ln w="0">
+            <a:noFill/>
+          </a:ln>
+        </p:spPr>
+      </p:pic>
+      <p:pic>
+        <p:nvPicPr>
+          <p:cNvPr id="55" name="" descr=""/>
+          <p:cNvPicPr/>
+          <p:nvPr/>
+        </p:nvPicPr>
+        <p:blipFill>
+          <a:blip r:embed="rId3"/>
+          <a:stretch/>
+        </p:blipFill>
+        <p:spPr>
+          <a:xfrm>
+            <a:off x="451080" y="40206240"/>
+            <a:ext cx="3687480" cy="937080"/>
+          </a:xfrm>
+          <a:prstGeom prst="rect">
+            <a:avLst/>
+          </a:prstGeom>
+          <a:ln w="0">
+            <a:noFill/>
+          </a:ln>
+        </p:spPr>
+      </p:pic>
+      <p:sp>
+        <p:nvSpPr>
+          <p:cNvPr id="56" name="TextBox 3"/>
+          <p:cNvSpPr/>
+          <p:nvPr/>
+        </p:nvSpPr>
+        <p:spPr>
+          <a:xfrm>
+            <a:off x="1882800" y="34286040"/>
+            <a:ext cx="28536120" cy="3745440"/>
+          </a:xfrm>
+          <a:prstGeom prst="rect">
+            <a:avLst/>
+          </a:prstGeom>
+          <a:solidFill>
+            <a:schemeClr val="bg1">
+              <a:lumMod val="95000"/>
+            </a:schemeClr>
+          </a:solidFill>
+          <a:ln w="0">
+            <a:noFill/>
+          </a:ln>
+        </p:spPr>
+        <p:style>
+          <a:lnRef idx="0"/>
+          <a:fillRef idx="0"/>
+          <a:effectRef idx="0"/>
+          <a:fontRef idx="minor"/>
+        </p:style>
+        <p:txBody>
+          <a:bodyPr lIns="432360" rIns="432360" tIns="432360" bIns="432360" anchor="t">
+            <a:spAutoFit/>
+          </a:bodyPr>
+          <a:p>
+            <a:pPr>
+              <a:lnSpc>
+                <a:spcPct val="150000"/>
+              </a:lnSpc>
+              <a:buNone/>
+            </a:pPr>
+            <a:r>
+              <a:rPr b="1" lang="en-US" sz="4200" spc="-1" strike="noStrike">
+                <a:solidFill>
+                  <a:srgbClr val="000000"/>
+                </a:solidFill>
+                <a:latin typeface="Segoe UI"/>
+                <a:ea typeface="Segoe UI Black"/>
+              </a:rPr>
+              <a:t>Conclusion:</a:t>
+            </a:r>
+            <a:r>
+              <a:rPr b="0" lang="en-US" sz="4200" spc="-1" strike="noStrike">
+                <a:solidFill>
+                  <a:srgbClr val="000000"/>
+                </a:solidFill>
+                <a:latin typeface="Segoe UI"/>
+                <a:ea typeface="Segoe UI Black"/>
+              </a:rPr>
+              <a:t> Our findings emphasise age-dependencies in regional and whole-brain asymmetries. HBA can be used to assess brain health specific to a single hermisphere, and asymmetries in HBA </a:t>
+            </a:r>
+            <a:r>
+              <a:rPr b="0" lang="en-US" sz="4200" spc="-1" strike="noStrike">
+                <a:solidFill>
+                  <a:srgbClr val="000000"/>
+                </a:solidFill>
+                <a:latin typeface="Segoe UI"/>
+                <a:ea typeface="Segoe UI Black"/>
+              </a:rPr>
+              <a:t>capture the general trend of decreasing brain asymmetry.</a:t>
+            </a:r>
+            <a:endParaRPr b="0" lang="en-GB" sz="4200" spc="-1" strike="noStrike">
+              <a:latin typeface="Arial"/>
+            </a:endParaRPr>
+          </a:p>
+        </p:txBody>
+      </p:sp>
+      <p:sp>
+        <p:nvSpPr>
+          <p:cNvPr id="57" name=""/>
+          <p:cNvSpPr/>
+          <p:nvPr/>
+        </p:nvSpPr>
+        <p:spPr>
+          <a:xfrm>
+            <a:off x="28620000" y="38943000"/>
+            <a:ext cx="3664080" cy="2804040"/>
+          </a:xfrm>
+          <a:prstGeom prst="rect">
+            <a:avLst/>
+          </a:prstGeom>
+          <a:noFill/>
+          <a:ln w="0">
+            <a:noFill/>
+          </a:ln>
+        </p:spPr>
+        <p:style>
+          <a:lnRef idx="0"/>
+          <a:fillRef idx="0"/>
+          <a:effectRef idx="0"/>
+          <a:fontRef idx="minor"/>
+        </p:style>
+        <p:txBody>
+          <a:bodyPr lIns="90000" rIns="90000" tIns="45000" bIns="45000" anchor="t">
+            <a:noAutofit/>
+          </a:bodyPr>
+          <a:p>
+            <a:pPr>
+              <a:lnSpc>
+                <a:spcPct val="100000"/>
+              </a:lnSpc>
+              <a:buNone/>
+            </a:pPr>
+            <a:r>
+              <a:rPr b="0" lang="en-US" sz="3600" spc="-1" strike="noStrike">
+                <a:solidFill>
+                  <a:srgbClr val="ffffff"/>
+                </a:solidFill>
+                <a:latin typeface="Segoe UI Light"/>
+                <a:ea typeface="DejaVu Sans"/>
+              </a:rPr>
+              <a:t>Preprint coming out soon!</a:t>
+            </a:r>
+            <a:endParaRPr b="0" lang="en-GB" sz="3600" spc="-1" strike="noStrike">
+              <a:latin typeface="Arial"/>
+            </a:endParaRPr>
+          </a:p>
+        </p:txBody>
+      </p:sp>
+      <p:sp>
+        <p:nvSpPr>
+          <p:cNvPr id="58" name="TextBox 5"/>
+          <p:cNvSpPr/>
+          <p:nvPr/>
+        </p:nvSpPr>
+        <p:spPr>
+          <a:xfrm>
+            <a:off x="8798040" y="21841560"/>
+            <a:ext cx="7581240" cy="386640"/>
           </a:xfrm>
           <a:prstGeom prst="rect">
             <a:avLst/>
@@ -3784,14 +3761,14 @@
       </p:sp>
       <p:sp>
         <p:nvSpPr>
-          <p:cNvPr id="60" name="TextBox 4"/>
+          <p:cNvPr id="59" name="TextBox 4"/>
           <p:cNvSpPr/>
           <p:nvPr/>
         </p:nvSpPr>
         <p:spPr>
           <a:xfrm>
-            <a:off x="17280000" y="14181120"/>
-            <a:ext cx="12779280" cy="4890240"/>
+            <a:off x="17280000" y="14765400"/>
+            <a:ext cx="12778920" cy="5574600"/>
           </a:xfrm>
           <a:prstGeom prst="rect">
             <a:avLst/>
@@ -3819,7 +3796,7 @@
               <a:buNone/>
             </a:pPr>
             <a:r>
-              <a:rPr b="1" lang="en-US" sz="4200" spc="-1" strike="noStrike">
+              <a:rPr b="1" lang="en-US" sz="4000" spc="-1" strike="noStrike">
                 <a:solidFill>
                   <a:srgbClr val="000000"/>
                 </a:solidFill>
@@ -3829,16 +3806,16 @@
               <a:t>Result 3:</a:t>
             </a:r>
             <a:r>
-              <a:rPr b="0" lang="en-US" sz="4200" spc="-1" strike="noStrike">
+              <a:rPr b="0" lang="en-US" sz="4000" spc="-1" strike="noStrike">
                 <a:solidFill>
                   <a:srgbClr val="000000"/>
                 </a:solidFill>
                 <a:latin typeface="Segoe UI Black"/>
                 <a:ea typeface="Segoe UI Black"/>
               </a:rPr>
-              <a:t> Fornix microstructure and frontal grey matter thickness asymmetry decrease strongest and cingulate and microstructure and inferiorparital thickness increase strongest at higher ages.</a:t>
+              <a:t> Fornix-striaterminalis microstructure and frontal grey matter thickness asymmetry presented strongest negative age-assocations, and cingulate microstructure and inferiorparital thickness strongest negative relationships, respectively.</a:t>
             </a:r>
-            <a:endParaRPr b="0" lang="en-GB" sz="4200" spc="-1" strike="noStrike">
+            <a:endParaRPr b="0" lang="en-GB" sz="4000" spc="-1" strike="noStrike">
               <a:latin typeface="Arial"/>
             </a:endParaRPr>
           </a:p>
@@ -3846,13 +3823,13 @@
       </p:sp>
       <p:graphicFrame>
         <p:nvGraphicFramePr>
-          <p:cNvPr id="61" name=""/>
+          <p:cNvPr id="60" name=""/>
           <p:cNvGraphicFramePr/>
           <p:nvPr/>
         </p:nvGraphicFramePr>
         <p:xfrm>
-          <a:off x="2284920" y="22281840"/>
-          <a:ext cx="13914720" cy="5798160"/>
+          <a:off x="2284920" y="22505760"/>
+          <a:ext cx="13914720" cy="6029640"/>
         </p:xfrm>
         <a:graphic>
           <a:graphicData uri="http://schemas.openxmlformats.org/drawingml/2006/table">
@@ -3866,21 +3843,27 @@
                 <a:gridCol w="2463840"/>
                 <a:gridCol w="2611080"/>
               </a:tblGrid>
-              <a:tr h="363600">
+              <a:tr h="640440">
                 <a:tc>
                   <a:txBody>
-                    <a:bodyPr lIns="90000" rIns="90000" tIns="46800" bIns="46800" anchor="t">
+                    <a:bodyPr lIns="90000" rIns="90000" anchor="t">
                       <a:noAutofit/>
                     </a:bodyPr>
                     <a:p>
+                      <a:pPr>
+                        <a:lnSpc>
+                          <a:spcPct val="100000"/>
+                        </a:lnSpc>
+                        <a:buNone/>
+                      </a:pPr>
                       <a:r>
                         <a:rPr b="1" lang="en-GB" sz="1800" spc="-1" strike="noStrike">
                           <a:latin typeface="Segoe UI Black"/>
                         </a:rPr>
                         <a:t>Model</a:t>
                       </a:r>
-                      <a:endParaRPr b="1" lang="en-GB" sz="1800" spc="-1" strike="noStrike">
-                        <a:latin typeface="Segoe UI Black"/>
+                      <a:endParaRPr b="0" lang="en-GB" sz="1800" spc="-1" strike="noStrike">
+                        <a:latin typeface="Arial"/>
                       </a:endParaRPr>
                     </a:p>
                   </a:txBody>
@@ -3912,18 +3895,24 @@
                 </a:tc>
                 <a:tc>
                   <a:txBody>
-                    <a:bodyPr lIns="90000" rIns="90000" tIns="46800" bIns="46800" anchor="t">
+                    <a:bodyPr lIns="90000" rIns="90000" anchor="t">
                       <a:noAutofit/>
                     </a:bodyPr>
                     <a:p>
+                      <a:pPr>
+                        <a:lnSpc>
+                          <a:spcPct val="100000"/>
+                        </a:lnSpc>
+                        <a:buNone/>
+                      </a:pPr>
                       <a:r>
                         <a:rPr b="1" lang="en-GB" sz="1800" spc="-1" strike="noStrike">
                           <a:latin typeface="Segoe UI Black"/>
                         </a:rPr>
                         <a:t>Features</a:t>
                       </a:r>
-                      <a:endParaRPr b="1" lang="en-GB" sz="1800" spc="-1" strike="noStrike">
-                        <a:latin typeface="Segoe UI Black"/>
+                      <a:endParaRPr b="0" lang="en-GB" sz="1800" spc="-1" strike="noStrike">
+                        <a:latin typeface="Arial"/>
                       </a:endParaRPr>
                     </a:p>
                   </a:txBody>
@@ -3955,18 +3944,24 @@
                 </a:tc>
                 <a:tc>
                   <a:txBody>
-                    <a:bodyPr lIns="90000" rIns="90000" tIns="46800" bIns="46800" anchor="t">
+                    <a:bodyPr lIns="90000" rIns="90000" anchor="t">
                       <a:noAutofit/>
                     </a:bodyPr>
                     <a:p>
+                      <a:pPr>
+                        <a:lnSpc>
+                          <a:spcPct val="100000"/>
+                        </a:lnSpc>
+                        <a:buNone/>
+                      </a:pPr>
                       <a:r>
                         <a:rPr b="1" lang="en-GB" sz="1800" spc="-1" strike="noStrike">
                           <a:latin typeface="Segoe UI Black"/>
                         </a:rPr>
                         <a:t>Variance explained</a:t>
                       </a:r>
-                      <a:endParaRPr b="1" lang="en-GB" sz="1800" spc="-1" strike="noStrike">
-                        <a:latin typeface="Segoe UI Black"/>
+                      <a:endParaRPr b="0" lang="en-GB" sz="1800" spc="-1" strike="noStrike">
+                        <a:latin typeface="Arial"/>
                       </a:endParaRPr>
                     </a:p>
                   </a:txBody>
@@ -3998,18 +3993,24 @@
                 </a:tc>
                 <a:tc>
                   <a:txBody>
-                    <a:bodyPr lIns="90000" rIns="90000" tIns="46800" bIns="46800" anchor="t">
+                    <a:bodyPr lIns="90000" rIns="90000" anchor="t">
                       <a:noAutofit/>
                     </a:bodyPr>
                     <a:p>
+                      <a:pPr>
+                        <a:lnSpc>
+                          <a:spcPct val="100000"/>
+                        </a:lnSpc>
+                        <a:buNone/>
+                      </a:pPr>
                       <a:r>
                         <a:rPr b="1" lang="en-GB" sz="1800" spc="-1" strike="noStrike">
                           <a:latin typeface="Segoe UI Black"/>
                         </a:rPr>
                         <a:t>Mean Abs Error</a:t>
                       </a:r>
-                      <a:endParaRPr b="1" lang="en-GB" sz="1800" spc="-1" strike="noStrike">
-                        <a:latin typeface="Segoe UI Black"/>
+                      <a:endParaRPr b="0" lang="en-GB" sz="1800" spc="-1" strike="noStrike">
+                        <a:latin typeface="Arial"/>
                       </a:endParaRPr>
                     </a:p>
                   </a:txBody>
@@ -4041,18 +4042,24 @@
                 </a:tc>
                 <a:tc>
                   <a:txBody>
-                    <a:bodyPr lIns="90000" rIns="90000" tIns="46800" bIns="46800" anchor="t">
+                    <a:bodyPr lIns="90000" rIns="90000" anchor="t">
                       <a:noAutofit/>
                     </a:bodyPr>
                     <a:p>
+                      <a:pPr>
+                        <a:lnSpc>
+                          <a:spcPct val="100000"/>
+                        </a:lnSpc>
+                        <a:buNone/>
+                      </a:pPr>
                       <a:r>
                         <a:rPr b="1" lang="en-GB" sz="1800" spc="-1" strike="noStrike">
                           <a:latin typeface="Segoe UI Black"/>
                         </a:rPr>
                         <a:t>Root Mean Sqrd Error</a:t>
                       </a:r>
-                      <a:endParaRPr b="1" lang="en-GB" sz="1800" spc="-1" strike="noStrike">
-                        <a:latin typeface="Segoe UI Black"/>
+                      <a:endParaRPr b="0" lang="en-GB" sz="1800" spc="-1" strike="noStrike">
+                        <a:latin typeface="Arial"/>
                       </a:endParaRPr>
                     </a:p>
                   </a:txBody>
@@ -4084,18 +4091,24 @@
                 </a:tc>
                 <a:tc>
                   <a:txBody>
-                    <a:bodyPr lIns="90000" rIns="90000" tIns="46800" bIns="46800" anchor="t">
+                    <a:bodyPr lIns="90000" rIns="90000" anchor="t">
                       <a:noAutofit/>
                     </a:bodyPr>
                     <a:p>
+                      <a:pPr>
+                        <a:lnSpc>
+                          <a:spcPct val="100000"/>
+                        </a:lnSpc>
+                        <a:buNone/>
+                      </a:pPr>
                       <a:r>
                         <a:rPr b="1" lang="en-GB" sz="1800" spc="-1" strike="noStrike">
                           <a:latin typeface="Segoe UI Black"/>
                         </a:rPr>
                         <a:t>Pearson’s r</a:t>
                       </a:r>
-                      <a:endParaRPr b="1" lang="en-GB" sz="1800" spc="-1" strike="noStrike">
-                        <a:latin typeface="Segoe UI Black"/>
+                      <a:endParaRPr b="0" lang="en-GB" sz="1800" spc="-1" strike="noStrike">
+                        <a:latin typeface="Arial"/>
                       </a:endParaRPr>
                     </a:p>
                   </a:txBody>
@@ -4129,10 +4142,16 @@
               <a:tr h="629280">
                 <a:tc>
                   <a:txBody>
-                    <a:bodyPr lIns="90000" rIns="90000" tIns="46800" bIns="46800" anchor="t">
+                    <a:bodyPr lIns="90000" rIns="90000" anchor="t">
                       <a:noAutofit/>
                     </a:bodyPr>
                     <a:p>
+                      <a:pPr>
+                        <a:lnSpc>
+                          <a:spcPct val="100000"/>
+                        </a:lnSpc>
+                        <a:buNone/>
+                      </a:pPr>
                       <a:r>
                         <a:rPr b="0" lang="en-GB" sz="1800" spc="-1" strike="noStrike">
                           <a:latin typeface="Segoe UI Black"/>
@@ -4140,7 +4159,7 @@
                         <a:t>Left T1w</a:t>
                       </a:r>
                       <a:endParaRPr b="0" lang="en-GB" sz="1800" spc="-1" strike="noStrike">
-                        <a:latin typeface="Segoe UI Black"/>
+                        <a:latin typeface="Arial"/>
                       </a:endParaRPr>
                     </a:p>
                   </a:txBody>
@@ -4172,11 +4191,14 @@
                 </a:tc>
                 <a:tc>
                   <a:txBody>
-                    <a:bodyPr lIns="90000" rIns="90000" tIns="46800" bIns="46800" anchor="t">
+                    <a:bodyPr lIns="90000" rIns="90000" anchor="t">
                       <a:noAutofit/>
                     </a:bodyPr>
                     <a:p>
                       <a:pPr algn="r">
+                        <a:lnSpc>
+                          <a:spcPct val="100000"/>
+                        </a:lnSpc>
                         <a:buNone/>
                       </a:pPr>
                       <a:r>
@@ -4186,7 +4208,7 @@
                         <a:t>117</a:t>
                       </a:r>
                       <a:endParaRPr b="0" lang="en-GB" sz="1800" spc="-1" strike="noStrike">
-                        <a:latin typeface="Segoe UI Black"/>
+                        <a:latin typeface="Arial"/>
                       </a:endParaRPr>
                     </a:p>
                   </a:txBody>
@@ -4218,10 +4240,16 @@
                 </a:tc>
                 <a:tc>
                   <a:txBody>
-                    <a:bodyPr lIns="90000" rIns="90000" tIns="46800" bIns="46800" anchor="t">
+                    <a:bodyPr lIns="90000" rIns="90000" anchor="t">
                       <a:noAutofit/>
                     </a:bodyPr>
                     <a:p>
+                      <a:pPr>
+                        <a:lnSpc>
+                          <a:spcPct val="100000"/>
+                        </a:lnSpc>
+                        <a:buNone/>
+                      </a:pPr>
                       <a:r>
                         <a:rPr b="0" lang="en-GB" sz="1800" spc="-1" strike="noStrike">
                           <a:latin typeface="Segoe UI Black"/>
@@ -4229,7 +4257,7 @@
                         <a:t>0.504 (0.010)</a:t>
                       </a:r>
                       <a:endParaRPr b="0" lang="en-GB" sz="1800" spc="-1" strike="noStrike">
-                        <a:latin typeface="Segoe UI Black"/>
+                        <a:latin typeface="Arial"/>
                       </a:endParaRPr>
                     </a:p>
                   </a:txBody>
@@ -4261,10 +4289,16 @@
                 </a:tc>
                 <a:tc>
                   <a:txBody>
-                    <a:bodyPr lIns="90000" rIns="90000" tIns="46800" bIns="46800" anchor="t">
+                    <a:bodyPr lIns="90000" rIns="90000" anchor="t">
                       <a:noAutofit/>
                     </a:bodyPr>
                     <a:p>
+                      <a:pPr>
+                        <a:lnSpc>
+                          <a:spcPct val="100000"/>
+                        </a:lnSpc>
+                        <a:buNone/>
+                      </a:pPr>
                       <a:r>
                         <a:rPr b="0" lang="en-GB" sz="1800" spc="-1" strike="noStrike">
                           <a:latin typeface="Segoe UI Black"/>
@@ -4272,7 +4306,7 @@
                         <a:t>4.389 (0.054)</a:t>
                       </a:r>
                       <a:endParaRPr b="0" lang="en-GB" sz="1800" spc="-1" strike="noStrike">
-                        <a:latin typeface="Segoe UI Black"/>
+                        <a:latin typeface="Arial"/>
                       </a:endParaRPr>
                     </a:p>
                   </a:txBody>
@@ -4304,10 +4338,16 @@
                 </a:tc>
                 <a:tc>
                   <a:txBody>
-                    <a:bodyPr lIns="90000" rIns="90000" tIns="46800" bIns="46800" anchor="t">
+                    <a:bodyPr lIns="90000" rIns="90000" anchor="t">
                       <a:noAutofit/>
                     </a:bodyPr>
                     <a:p>
+                      <a:pPr>
+                        <a:lnSpc>
+                          <a:spcPct val="100000"/>
+                        </a:lnSpc>
+                        <a:buNone/>
+                      </a:pPr>
                       <a:r>
                         <a:rPr b="0" lang="en-GB" sz="1800" spc="-1" strike="noStrike">
                           <a:latin typeface="Segoe UI Black"/>
@@ -4315,7 +4355,7 @@
                         <a:t>5.472 (0.061)</a:t>
                       </a:r>
                       <a:endParaRPr b="0" lang="en-GB" sz="1800" spc="-1" strike="noStrike">
-                        <a:latin typeface="Segoe UI Black"/>
+                        <a:latin typeface="Arial"/>
                       </a:endParaRPr>
                     </a:p>
                   </a:txBody>
@@ -4347,10 +4387,16 @@
                 </a:tc>
                 <a:tc>
                   <a:txBody>
-                    <a:bodyPr lIns="90000" rIns="90000" tIns="46800" bIns="46800" anchor="t">
+                    <a:bodyPr lIns="90000" rIns="90000" anchor="t">
                       <a:noAutofit/>
                     </a:bodyPr>
                     <a:p>
+                      <a:pPr>
+                        <a:lnSpc>
+                          <a:spcPct val="100000"/>
+                        </a:lnSpc>
+                        <a:buNone/>
+                      </a:pPr>
                       <a:r>
                         <a:rPr b="0" lang="en-GB" sz="1800" spc="-1" strike="noStrike">
                           <a:latin typeface="Segoe UI Black"/>
@@ -4358,7 +4404,7 @@
                         <a:t>0.708 [0.703, 0.712]</a:t>
                       </a:r>
                       <a:endParaRPr b="0" lang="en-GB" sz="1800" spc="-1" strike="noStrike">
-                        <a:latin typeface="Segoe UI Black"/>
+                        <a:latin typeface="Arial"/>
                       </a:endParaRPr>
                     </a:p>
                   </a:txBody>
@@ -4392,10 +4438,16 @@
               <a:tr h="629280">
                 <a:tc>
                   <a:txBody>
-                    <a:bodyPr lIns="90000" rIns="90000" tIns="46800" bIns="46800" anchor="t">
+                    <a:bodyPr lIns="90000" rIns="90000" anchor="t">
                       <a:noAutofit/>
                     </a:bodyPr>
                     <a:p>
+                      <a:pPr>
+                        <a:lnSpc>
+                          <a:spcPct val="100000"/>
+                        </a:lnSpc>
+                        <a:buNone/>
+                      </a:pPr>
                       <a:r>
                         <a:rPr b="0" lang="en-GB" sz="1800" spc="-1" strike="noStrike">
                           <a:latin typeface="Segoe UI Black"/>
@@ -4403,7 +4455,7 @@
                         <a:t>Right T1w</a:t>
                       </a:r>
                       <a:endParaRPr b="0" lang="en-GB" sz="1800" spc="-1" strike="noStrike">
-                        <a:latin typeface="Segoe UI Black"/>
+                        <a:latin typeface="Arial"/>
                       </a:endParaRPr>
                     </a:p>
                   </a:txBody>
@@ -4435,11 +4487,14 @@
                 </a:tc>
                 <a:tc>
                   <a:txBody>
-                    <a:bodyPr lIns="90000" rIns="90000" tIns="46800" bIns="46800" anchor="t">
+                    <a:bodyPr lIns="90000" rIns="90000" anchor="t">
                       <a:noAutofit/>
                     </a:bodyPr>
                     <a:p>
                       <a:pPr algn="r">
+                        <a:lnSpc>
+                          <a:spcPct val="100000"/>
+                        </a:lnSpc>
                         <a:buNone/>
                       </a:pPr>
                       <a:r>
@@ -4449,7 +4504,7 @@
                         <a:t>117</a:t>
                       </a:r>
                       <a:endParaRPr b="0" lang="en-GB" sz="1800" spc="-1" strike="noStrike">
-                        <a:latin typeface="Segoe UI Black"/>
+                        <a:latin typeface="Arial"/>
                       </a:endParaRPr>
                     </a:p>
                   </a:txBody>
@@ -4481,10 +4536,16 @@
                 </a:tc>
                 <a:tc>
                   <a:txBody>
-                    <a:bodyPr lIns="90000" rIns="90000" tIns="46800" bIns="46800" anchor="t">
+                    <a:bodyPr lIns="90000" rIns="90000" anchor="t">
                       <a:noAutofit/>
                     </a:bodyPr>
                     <a:p>
+                      <a:pPr>
+                        <a:lnSpc>
+                          <a:spcPct val="100000"/>
+                        </a:lnSpc>
+                        <a:buNone/>
+                      </a:pPr>
                       <a:r>
                         <a:rPr b="0" lang="en-GB" sz="1800" spc="-1" strike="noStrike">
                           <a:latin typeface="Segoe UI Black"/>
@@ -4492,7 +4553,7 @@
                         <a:t>0.492 (0.008)</a:t>
                       </a:r>
                       <a:endParaRPr b="0" lang="en-GB" sz="1800" spc="-1" strike="noStrike">
-                        <a:latin typeface="Segoe UI Black"/>
+                        <a:latin typeface="Arial"/>
                       </a:endParaRPr>
                     </a:p>
                   </a:txBody>
@@ -4524,10 +4585,16 @@
                 </a:tc>
                 <a:tc>
                   <a:txBody>
-                    <a:bodyPr lIns="90000" rIns="90000" tIns="46800" bIns="46800" anchor="t">
+                    <a:bodyPr lIns="90000" rIns="90000" anchor="t">
                       <a:noAutofit/>
                     </a:bodyPr>
                     <a:p>
+                      <a:pPr>
+                        <a:lnSpc>
+                          <a:spcPct val="100000"/>
+                        </a:lnSpc>
+                        <a:buNone/>
+                      </a:pPr>
                       <a:r>
                         <a:rPr b="0" lang="en-GB" sz="1800" spc="-1" strike="noStrike">
                           <a:latin typeface="Segoe UI Black"/>
@@ -4535,7 +4602,7 @@
                         <a:t>4.439 (0.049)</a:t>
                       </a:r>
                       <a:endParaRPr b="0" lang="en-GB" sz="1800" spc="-1" strike="noStrike">
-                        <a:latin typeface="Segoe UI Black"/>
+                        <a:latin typeface="Arial"/>
                       </a:endParaRPr>
                     </a:p>
                   </a:txBody>
@@ -4567,10 +4634,16 @@
                 </a:tc>
                 <a:tc>
                   <a:txBody>
-                    <a:bodyPr lIns="90000" rIns="90000" tIns="46800" bIns="46800" anchor="t">
+                    <a:bodyPr lIns="90000" rIns="90000" anchor="t">
                       <a:noAutofit/>
                     </a:bodyPr>
                     <a:p>
+                      <a:pPr>
+                        <a:lnSpc>
+                          <a:spcPct val="100000"/>
+                        </a:lnSpc>
+                        <a:buNone/>
+                      </a:pPr>
                       <a:r>
                         <a:rPr b="0" lang="en-GB" sz="1800" spc="-1" strike="noStrike">
                           <a:latin typeface="Segoe UI Black"/>
@@ -4578,7 +4651,7 @@
                         <a:t>5.529 (0.051)</a:t>
                       </a:r>
                       <a:endParaRPr b="0" lang="en-GB" sz="1800" spc="-1" strike="noStrike">
-                        <a:latin typeface="Segoe UI Black"/>
+                        <a:latin typeface="Arial"/>
                       </a:endParaRPr>
                     </a:p>
                   </a:txBody>
@@ -4610,10 +4683,16 @@
                 </a:tc>
                 <a:tc>
                   <a:txBody>
-                    <a:bodyPr lIns="90000" rIns="90000" tIns="46800" bIns="46800" anchor="t">
+                    <a:bodyPr lIns="90000" rIns="90000" anchor="t">
                       <a:noAutofit/>
                     </a:bodyPr>
                     <a:p>
+                      <a:pPr>
+                        <a:lnSpc>
+                          <a:spcPct val="100000"/>
+                        </a:lnSpc>
+                        <a:buNone/>
+                      </a:pPr>
                       <a:r>
                         <a:rPr b="0" lang="en-GB" sz="1800" spc="-1" strike="noStrike">
                           <a:latin typeface="Segoe UI Black"/>
@@ -4621,7 +4700,7 @@
                         <a:t>0.705 [0.700, 0.709]</a:t>
                       </a:r>
                       <a:endParaRPr b="0" lang="en-GB" sz="1800" spc="-1" strike="noStrike">
-                        <a:latin typeface="Segoe UI Black"/>
+                        <a:latin typeface="Arial"/>
                       </a:endParaRPr>
                     </a:p>
                   </a:txBody>
@@ -4655,10 +4734,16 @@
               <a:tr h="629280">
                 <a:tc>
                   <a:txBody>
-                    <a:bodyPr lIns="90000" rIns="90000" tIns="46800" bIns="46800" anchor="t">
+                    <a:bodyPr lIns="90000" rIns="90000" anchor="t">
                       <a:noAutofit/>
                     </a:bodyPr>
                     <a:p>
+                      <a:pPr>
+                        <a:lnSpc>
+                          <a:spcPct val="100000"/>
+                        </a:lnSpc>
+                        <a:buNone/>
+                      </a:pPr>
                       <a:r>
                         <a:rPr b="0" lang="en-GB" sz="1800" spc="-1" strike="noStrike">
                           <a:latin typeface="Segoe UI Black"/>
@@ -4666,7 +4751,7 @@
                         <a:t>T1w</a:t>
                       </a:r>
                       <a:endParaRPr b="0" lang="en-GB" sz="1800" spc="-1" strike="noStrike">
-                        <a:latin typeface="Segoe UI Black"/>
+                        <a:latin typeface="Arial"/>
                       </a:endParaRPr>
                     </a:p>
                   </a:txBody>
@@ -4698,11 +4783,14 @@
                 </a:tc>
                 <a:tc>
                   <a:txBody>
-                    <a:bodyPr lIns="90000" rIns="90000" tIns="46800" bIns="46800" anchor="t">
+                    <a:bodyPr lIns="90000" rIns="90000" anchor="t">
                       <a:noAutofit/>
                     </a:bodyPr>
                     <a:p>
                       <a:pPr algn="r">
+                        <a:lnSpc>
+                          <a:spcPct val="100000"/>
+                        </a:lnSpc>
                         <a:buNone/>
                       </a:pPr>
                       <a:r>
@@ -4712,7 +4800,7 @@
                         <a:t>234</a:t>
                       </a:r>
                       <a:endParaRPr b="0" lang="en-GB" sz="1800" spc="-1" strike="noStrike">
-                        <a:latin typeface="Segoe UI Black"/>
+                        <a:latin typeface="Arial"/>
                       </a:endParaRPr>
                     </a:p>
                   </a:txBody>
@@ -4744,10 +4832,16 @@
                 </a:tc>
                 <a:tc>
                   <a:txBody>
-                    <a:bodyPr lIns="90000" rIns="90000" tIns="46800" bIns="46800" anchor="t">
+                    <a:bodyPr lIns="90000" rIns="90000" anchor="t">
                       <a:noAutofit/>
                     </a:bodyPr>
                     <a:p>
+                      <a:pPr>
+                        <a:lnSpc>
+                          <a:spcPct val="100000"/>
+                        </a:lnSpc>
+                        <a:buNone/>
+                      </a:pPr>
                       <a:r>
                         <a:rPr b="0" lang="en-GB" sz="1800" spc="-1" strike="noStrike">
                           <a:latin typeface="Segoe UI Black"/>
@@ -4755,7 +4849,7 @@
                         <a:t>0.526 (0.011)</a:t>
                       </a:r>
                       <a:endParaRPr b="0" lang="en-GB" sz="1800" spc="-1" strike="noStrike">
-                        <a:latin typeface="Segoe UI Black"/>
+                        <a:latin typeface="Arial"/>
                       </a:endParaRPr>
                     </a:p>
                   </a:txBody>
@@ -4787,10 +4881,16 @@
                 </a:tc>
                 <a:tc>
                   <a:txBody>
-                    <a:bodyPr lIns="90000" rIns="90000" tIns="46800" bIns="46800" anchor="t">
+                    <a:bodyPr lIns="90000" rIns="90000" anchor="t">
                       <a:noAutofit/>
                     </a:bodyPr>
                     <a:p>
+                      <a:pPr>
+                        <a:lnSpc>
+                          <a:spcPct val="100000"/>
+                        </a:lnSpc>
+                        <a:buNone/>
+                      </a:pPr>
                       <a:r>
                         <a:rPr b="0" lang="en-GB" sz="1800" spc="-1" strike="noStrike">
                           <a:latin typeface="Segoe UI Black"/>
@@ -4798,7 +4898,7 @@
                         <a:t>4.294 (0.050)</a:t>
                       </a:r>
                       <a:endParaRPr b="0" lang="en-GB" sz="1800" spc="-1" strike="noStrike">
-                        <a:latin typeface="Segoe UI Black"/>
+                        <a:latin typeface="Arial"/>
                       </a:endParaRPr>
                     </a:p>
                   </a:txBody>
@@ -4830,10 +4930,16 @@
                 </a:tc>
                 <a:tc>
                   <a:txBody>
-                    <a:bodyPr lIns="90000" rIns="90000" tIns="46800" bIns="46800" anchor="t">
+                    <a:bodyPr lIns="90000" rIns="90000" anchor="t">
                       <a:noAutofit/>
                     </a:bodyPr>
                     <a:p>
+                      <a:pPr>
+                        <a:lnSpc>
+                          <a:spcPct val="100000"/>
+                        </a:lnSpc>
+                        <a:buNone/>
+                      </a:pPr>
                       <a:r>
                         <a:rPr b="0" lang="en-GB" sz="1800" spc="-1" strike="noStrike">
                           <a:latin typeface="Segoe UI Black"/>
@@ -4841,7 +4947,7 @@
                         <a:t>5.356 (0.062)</a:t>
                       </a:r>
                       <a:endParaRPr b="0" lang="en-GB" sz="1800" spc="-1" strike="noStrike">
-                        <a:latin typeface="Segoe UI Black"/>
+                        <a:latin typeface="Arial"/>
                       </a:endParaRPr>
                     </a:p>
                   </a:txBody>
@@ -4873,10 +4979,16 @@
                 </a:tc>
                 <a:tc>
                   <a:txBody>
-                    <a:bodyPr lIns="90000" rIns="90000" tIns="46800" bIns="46800" anchor="t">
+                    <a:bodyPr lIns="90000" rIns="90000" anchor="t">
                       <a:noAutofit/>
                     </a:bodyPr>
                     <a:p>
+                      <a:pPr>
+                        <a:lnSpc>
+                          <a:spcPct val="100000"/>
+                        </a:lnSpc>
+                        <a:buNone/>
+                      </a:pPr>
                       <a:r>
                         <a:rPr b="0" lang="en-GB" sz="1800" spc="-1" strike="noStrike">
                           <a:latin typeface="Segoe UI Black"/>
@@ -4884,7 +4996,7 @@
                         <a:t>0.725 [0.721,  0.730]</a:t>
                       </a:r>
                       <a:endParaRPr b="0" lang="en-GB" sz="1800" spc="-1" strike="noStrike">
-                        <a:latin typeface="Segoe UI Black"/>
+                        <a:latin typeface="Arial"/>
                       </a:endParaRPr>
                     </a:p>
                   </a:txBody>
@@ -4918,10 +5030,16 @@
               <a:tr h="629280">
                 <a:tc>
                   <a:txBody>
-                    <a:bodyPr lIns="90000" rIns="90000" tIns="46800" bIns="46800" anchor="t">
+                    <a:bodyPr lIns="90000" rIns="90000" anchor="t">
                       <a:noAutofit/>
                     </a:bodyPr>
                     <a:p>
+                      <a:pPr>
+                        <a:lnSpc>
+                          <a:spcPct val="100000"/>
+                        </a:lnSpc>
+                        <a:buNone/>
+                      </a:pPr>
                       <a:r>
                         <a:rPr b="0" lang="en-GB" sz="1800" spc="-1" strike="noStrike">
                           <a:latin typeface="Segoe UI Black"/>
@@ -4929,7 +5047,7 @@
                         <a:t>Left dMRI</a:t>
                       </a:r>
                       <a:endParaRPr b="0" lang="en-GB" sz="1800" spc="-1" strike="noStrike">
-                        <a:latin typeface="Segoe UI Black"/>
+                        <a:latin typeface="Arial"/>
                       </a:endParaRPr>
                     </a:p>
                   </a:txBody>
@@ -4961,11 +5079,14 @@
                 </a:tc>
                 <a:tc>
                   <a:txBody>
-                    <a:bodyPr lIns="90000" rIns="90000" tIns="46800" bIns="46800" anchor="t">
+                    <a:bodyPr lIns="90000" rIns="90000" anchor="t">
                       <a:noAutofit/>
                     </a:bodyPr>
                     <a:p>
                       <a:pPr algn="r">
+                        <a:lnSpc>
+                          <a:spcPct val="100000"/>
+                        </a:lnSpc>
                         <a:buNone/>
                       </a:pPr>
                       <a:r>
@@ -4975,7 +5096,7 @@
                         <a:t>840</a:t>
                       </a:r>
                       <a:endParaRPr b="0" lang="en-GB" sz="1800" spc="-1" strike="noStrike">
-                        <a:latin typeface="Segoe UI Black"/>
+                        <a:latin typeface="Arial"/>
                       </a:endParaRPr>
                     </a:p>
                   </a:txBody>
@@ -5007,10 +5128,16 @@
                 </a:tc>
                 <a:tc>
                   <a:txBody>
-                    <a:bodyPr lIns="90000" rIns="90000" tIns="46800" bIns="46800" anchor="t">
+                    <a:bodyPr lIns="90000" rIns="90000" anchor="t">
                       <a:noAutofit/>
                     </a:bodyPr>
                     <a:p>
+                      <a:pPr>
+                        <a:lnSpc>
+                          <a:spcPct val="100000"/>
+                        </a:lnSpc>
+                        <a:buNone/>
+                      </a:pPr>
                       <a:r>
                         <a:rPr b="0" lang="en-GB" sz="1800" spc="-1" strike="noStrike">
                           <a:latin typeface="Segoe UI Black"/>
@@ -5018,7 +5145,7 @@
                         <a:t>0.568 (0.014)</a:t>
                       </a:r>
                       <a:endParaRPr b="0" lang="en-GB" sz="1800" spc="-1" strike="noStrike">
-                        <a:latin typeface="Segoe UI Black"/>
+                        <a:latin typeface="Arial"/>
                       </a:endParaRPr>
                     </a:p>
                   </a:txBody>
@@ -5050,10 +5177,16 @@
                 </a:tc>
                 <a:tc>
                   <a:txBody>
-                    <a:bodyPr lIns="90000" rIns="90000" tIns="46800" bIns="46800" anchor="t">
+                    <a:bodyPr lIns="90000" rIns="90000" anchor="t">
                       <a:noAutofit/>
                     </a:bodyPr>
                     <a:p>
+                      <a:pPr>
+                        <a:lnSpc>
+                          <a:spcPct val="100000"/>
+                        </a:lnSpc>
+                        <a:buNone/>
+                      </a:pPr>
                       <a:r>
                         <a:rPr b="0" lang="en-GB" sz="1800" spc="-1" strike="noStrike">
                           <a:latin typeface="Segoe UI Black"/>
@@ -5061,7 +5194,7 @@
                         <a:t>4.000 (0.047)</a:t>
                       </a:r>
                       <a:endParaRPr b="0" lang="en-GB" sz="1800" spc="-1" strike="noStrike">
-                        <a:latin typeface="Segoe UI Black"/>
+                        <a:latin typeface="Arial"/>
                       </a:endParaRPr>
                     </a:p>
                   </a:txBody>
@@ -5093,10 +5226,16 @@
                 </a:tc>
                 <a:tc>
                   <a:txBody>
-                    <a:bodyPr lIns="90000" rIns="90000" tIns="46800" bIns="46800" anchor="t">
+                    <a:bodyPr lIns="90000" rIns="90000" anchor="t">
                       <a:noAutofit/>
                     </a:bodyPr>
                     <a:p>
+                      <a:pPr>
+                        <a:lnSpc>
+                          <a:spcPct val="100000"/>
+                        </a:lnSpc>
+                        <a:buNone/>
+                      </a:pPr>
                       <a:r>
                         <a:rPr b="0" lang="en-GB" sz="1800" spc="-1" strike="noStrike">
                           <a:latin typeface="Segoe UI Black"/>
@@ -5104,7 +5243,7 @@
                         <a:t>4.990 (0.067)</a:t>
                       </a:r>
                       <a:endParaRPr b="0" lang="en-GB" sz="1800" spc="-1" strike="noStrike">
-                        <a:latin typeface="Segoe UI Black"/>
+                        <a:latin typeface="Arial"/>
                       </a:endParaRPr>
                     </a:p>
                   </a:txBody>
@@ -5136,10 +5275,16 @@
                 </a:tc>
                 <a:tc>
                   <a:txBody>
-                    <a:bodyPr lIns="90000" rIns="90000" tIns="46800" bIns="46800" anchor="t">
+                    <a:bodyPr lIns="90000" rIns="90000" anchor="t">
                       <a:noAutofit/>
                     </a:bodyPr>
                     <a:p>
+                      <a:pPr>
+                        <a:lnSpc>
+                          <a:spcPct val="100000"/>
+                        </a:lnSpc>
+                        <a:buNone/>
+                      </a:pPr>
                       <a:r>
                         <a:rPr b="0" lang="en-GB" sz="1800" spc="-1" strike="noStrike">
                           <a:latin typeface="Segoe UI Black"/>
@@ -5147,7 +5292,7 @@
                         <a:t>0.757 [0.753, 0.762]</a:t>
                       </a:r>
                       <a:endParaRPr b="0" lang="en-GB" sz="1800" spc="-1" strike="noStrike">
-                        <a:latin typeface="Segoe UI Black"/>
+                        <a:latin typeface="Arial"/>
                       </a:endParaRPr>
                     </a:p>
                   </a:txBody>
@@ -5181,10 +5326,16 @@
               <a:tr h="629280">
                 <a:tc>
                   <a:txBody>
-                    <a:bodyPr lIns="90000" rIns="90000" tIns="46800" bIns="46800" anchor="t">
+                    <a:bodyPr lIns="90000" rIns="90000" anchor="t">
                       <a:noAutofit/>
                     </a:bodyPr>
                     <a:p>
+                      <a:pPr>
+                        <a:lnSpc>
+                          <a:spcPct val="100000"/>
+                        </a:lnSpc>
+                        <a:buNone/>
+                      </a:pPr>
                       <a:r>
                         <a:rPr b="0" lang="en-GB" sz="1800" spc="-1" strike="noStrike">
                           <a:latin typeface="Segoe UI Black"/>
@@ -5192,7 +5343,7 @@
                         <a:t>Right dMRI</a:t>
                       </a:r>
                       <a:endParaRPr b="0" lang="en-GB" sz="1800" spc="-1" strike="noStrike">
-                        <a:latin typeface="Segoe UI Black"/>
+                        <a:latin typeface="Arial"/>
                       </a:endParaRPr>
                     </a:p>
                   </a:txBody>
@@ -5224,11 +5375,14 @@
                 </a:tc>
                 <a:tc>
                   <a:txBody>
-                    <a:bodyPr lIns="90000" rIns="90000" tIns="46800" bIns="46800" anchor="t">
+                    <a:bodyPr lIns="90000" rIns="90000" anchor="t">
                       <a:noAutofit/>
                     </a:bodyPr>
                     <a:p>
                       <a:pPr algn="r">
+                        <a:lnSpc>
+                          <a:spcPct val="100000"/>
+                        </a:lnSpc>
                         <a:buNone/>
                       </a:pPr>
                       <a:r>
@@ -5238,7 +5392,7 @@
                         <a:t>840</a:t>
                       </a:r>
                       <a:endParaRPr b="0" lang="en-GB" sz="1800" spc="-1" strike="noStrike">
-                        <a:latin typeface="Segoe UI Black"/>
+                        <a:latin typeface="Arial"/>
                       </a:endParaRPr>
                     </a:p>
                   </a:txBody>
@@ -5270,10 +5424,16 @@
                 </a:tc>
                 <a:tc>
                   <a:txBody>
-                    <a:bodyPr lIns="90000" rIns="90000" tIns="46800" bIns="46800" anchor="t">
+                    <a:bodyPr lIns="90000" rIns="90000" anchor="t">
                       <a:noAutofit/>
                     </a:bodyPr>
                     <a:p>
+                      <a:pPr>
+                        <a:lnSpc>
+                          <a:spcPct val="100000"/>
+                        </a:lnSpc>
+                        <a:buNone/>
+                      </a:pPr>
                       <a:r>
                         <a:rPr b="0" lang="en-GB" sz="1800" spc="-1" strike="noStrike">
                           <a:latin typeface="Segoe UI Black"/>
@@ -5281,7 +5441,7 @@
                         <a:t>0.582 (0.013)</a:t>
                       </a:r>
                       <a:endParaRPr b="0" lang="en-GB" sz="1800" spc="-1" strike="noStrike">
-                        <a:latin typeface="Segoe UI Black"/>
+                        <a:latin typeface="Arial"/>
                       </a:endParaRPr>
                     </a:p>
                   </a:txBody>
@@ -5313,10 +5473,16 @@
                 </a:tc>
                 <a:tc>
                   <a:txBody>
-                    <a:bodyPr lIns="90000" rIns="90000" tIns="46800" bIns="46800" anchor="t">
+                    <a:bodyPr lIns="90000" rIns="90000" anchor="t">
                       <a:noAutofit/>
                     </a:bodyPr>
                     <a:p>
+                      <a:pPr>
+                        <a:lnSpc>
+                          <a:spcPct val="100000"/>
+                        </a:lnSpc>
+                        <a:buNone/>
+                      </a:pPr>
                       <a:r>
                         <a:rPr b="0" lang="en-GB" sz="1800" spc="-1" strike="noStrike">
                           <a:latin typeface="Segoe UI Black"/>
@@ -5324,7 +5490,7 @@
                         <a:t>3.960 (0.052)</a:t>
                       </a:r>
                       <a:endParaRPr b="0" lang="en-GB" sz="1800" spc="-1" strike="noStrike">
-                        <a:latin typeface="Segoe UI Black"/>
+                        <a:latin typeface="Arial"/>
                       </a:endParaRPr>
                     </a:p>
                   </a:txBody>
@@ -5356,10 +5522,16 @@
                 </a:tc>
                 <a:tc>
                   <a:txBody>
-                    <a:bodyPr lIns="90000" rIns="90000" tIns="46800" bIns="46800" anchor="t">
+                    <a:bodyPr lIns="90000" rIns="90000" anchor="t">
                       <a:noAutofit/>
                     </a:bodyPr>
                     <a:p>
+                      <a:pPr>
+                        <a:lnSpc>
+                          <a:spcPct val="100000"/>
+                        </a:lnSpc>
+                        <a:buNone/>
+                      </a:pPr>
                       <a:r>
                         <a:rPr b="0" lang="en-GB" sz="1800" spc="-1" strike="noStrike">
                           <a:latin typeface="Segoe UI Black"/>
@@ -5367,7 +5539,7 @@
                         <a:t>4.967 (0.079)</a:t>
                       </a:r>
                       <a:endParaRPr b="0" lang="en-GB" sz="1800" spc="-1" strike="noStrike">
-                        <a:latin typeface="Segoe UI Black"/>
+                        <a:latin typeface="Arial"/>
                       </a:endParaRPr>
                     </a:p>
                   </a:txBody>
@@ -5399,10 +5571,16 @@
                 </a:tc>
                 <a:tc>
                   <a:txBody>
-                    <a:bodyPr lIns="90000" rIns="90000" tIns="46800" bIns="46800" anchor="t">
+                    <a:bodyPr lIns="90000" rIns="90000" anchor="t">
                       <a:noAutofit/>
                     </a:bodyPr>
                     <a:p>
+                      <a:pPr>
+                        <a:lnSpc>
+                          <a:spcPct val="100000"/>
+                        </a:lnSpc>
+                        <a:buNone/>
+                      </a:pPr>
                       <a:r>
                         <a:rPr b="0" lang="en-GB" sz="1800" spc="-1" strike="noStrike">
                           <a:latin typeface="Segoe UI Black"/>
@@ -5410,7 +5588,7 @@
                         <a:t>0.766 [0.762, 0.771]</a:t>
                       </a:r>
                       <a:endParaRPr b="0" lang="en-GB" sz="1800" spc="-1" strike="noStrike">
-                        <a:latin typeface="Segoe UI Black"/>
+                        <a:latin typeface="Arial"/>
                       </a:endParaRPr>
                     </a:p>
                   </a:txBody>
@@ -5444,10 +5622,16 @@
               <a:tr h="629280">
                 <a:tc>
                   <a:txBody>
-                    <a:bodyPr lIns="90000" rIns="90000" tIns="46800" bIns="46800" anchor="t">
+                    <a:bodyPr lIns="90000" rIns="90000" anchor="t">
                       <a:noAutofit/>
                     </a:bodyPr>
                     <a:p>
+                      <a:pPr>
+                        <a:lnSpc>
+                          <a:spcPct val="100000"/>
+                        </a:lnSpc>
+                        <a:buNone/>
+                      </a:pPr>
                       <a:r>
                         <a:rPr b="0" lang="en-GB" sz="1800" spc="-1" strike="noStrike">
                           <a:latin typeface="Segoe UI Black"/>
@@ -5455,7 +5639,7 @@
                         <a:t>dMRI</a:t>
                       </a:r>
                       <a:endParaRPr b="0" lang="en-GB" sz="1800" spc="-1" strike="noStrike">
-                        <a:latin typeface="Segoe UI Black"/>
+                        <a:latin typeface="Arial"/>
                       </a:endParaRPr>
                     </a:p>
                   </a:txBody>
@@ -5487,11 +5671,14 @@
                 </a:tc>
                 <a:tc>
                   <a:txBody>
-                    <a:bodyPr lIns="90000" rIns="90000" tIns="46800" bIns="46800" anchor="t">
+                    <a:bodyPr lIns="90000" rIns="90000" anchor="t">
                       <a:noAutofit/>
                     </a:bodyPr>
                     <a:p>
                       <a:pPr algn="r">
+                        <a:lnSpc>
+                          <a:spcPct val="100000"/>
+                        </a:lnSpc>
                         <a:buNone/>
                       </a:pPr>
                       <a:r>
@@ -5501,7 +5688,7 @@
                         <a:t>1680</a:t>
                       </a:r>
                       <a:endParaRPr b="0" lang="en-GB" sz="1800" spc="-1" strike="noStrike">
-                        <a:latin typeface="Segoe UI Black"/>
+                        <a:latin typeface="Arial"/>
                       </a:endParaRPr>
                     </a:p>
                   </a:txBody>
@@ -5533,10 +5720,16 @@
                 </a:tc>
                 <a:tc>
                   <a:txBody>
-                    <a:bodyPr lIns="90000" rIns="90000" tIns="46800" bIns="46800" anchor="t">
+                    <a:bodyPr lIns="90000" rIns="90000" anchor="t">
                       <a:noAutofit/>
                     </a:bodyPr>
                     <a:p>
+                      <a:pPr>
+                        <a:lnSpc>
+                          <a:spcPct val="100000"/>
+                        </a:lnSpc>
+                        <a:buNone/>
+                      </a:pPr>
                       <a:r>
                         <a:rPr b="0" lang="en-GB" sz="1800" spc="-1" strike="noStrike">
                           <a:latin typeface="Segoe UI Black"/>
@@ -5544,7 +5737,7 @@
                         <a:t>0.605 (0.010)</a:t>
                       </a:r>
                       <a:endParaRPr b="0" lang="en-GB" sz="1800" spc="-1" strike="noStrike">
-                        <a:latin typeface="Segoe UI Black"/>
+                        <a:latin typeface="Arial"/>
                       </a:endParaRPr>
                     </a:p>
                   </a:txBody>
@@ -5576,10 +5769,16 @@
                 </a:tc>
                 <a:tc>
                   <a:txBody>
-                    <a:bodyPr lIns="90000" rIns="90000" tIns="46800" bIns="46800" anchor="t">
+                    <a:bodyPr lIns="90000" rIns="90000" anchor="t">
                       <a:noAutofit/>
                     </a:bodyPr>
                     <a:p>
+                      <a:pPr>
+                        <a:lnSpc>
+                          <a:spcPct val="100000"/>
+                        </a:lnSpc>
+                        <a:buNone/>
+                      </a:pPr>
                       <a:r>
                         <a:rPr b="0" lang="en-GB" sz="1800" spc="-1" strike="noStrike">
                           <a:latin typeface="Segoe UI Black"/>
@@ -5587,7 +5786,7 @@
                         <a:t>3.867 (0.059)</a:t>
                       </a:r>
                       <a:endParaRPr b="0" lang="en-GB" sz="1800" spc="-1" strike="noStrike">
-                        <a:latin typeface="Segoe UI Black"/>
+                        <a:latin typeface="Arial"/>
                       </a:endParaRPr>
                     </a:p>
                   </a:txBody>
@@ -5619,10 +5818,16 @@
                 </a:tc>
                 <a:tc>
                   <a:txBody>
-                    <a:bodyPr lIns="90000" rIns="90000" tIns="46800" bIns="46800" anchor="t">
+                    <a:bodyPr lIns="90000" rIns="90000" anchor="t">
                       <a:noAutofit/>
                     </a:bodyPr>
                     <a:p>
+                      <a:pPr>
+                        <a:lnSpc>
+                          <a:spcPct val="100000"/>
+                        </a:lnSpc>
+                        <a:buNone/>
+                      </a:pPr>
                       <a:r>
                         <a:rPr b="0" lang="en-GB" sz="1800" spc="-1" strike="noStrike">
                           <a:latin typeface="Segoe UI Black"/>
@@ -5630,7 +5835,7 @@
                         <a:t>4.821 (0.094)</a:t>
                       </a:r>
                       <a:endParaRPr b="0" lang="en-GB" sz="1800" spc="-1" strike="noStrike">
-                        <a:latin typeface="Segoe UI Black"/>
+                        <a:latin typeface="Arial"/>
                       </a:endParaRPr>
                     </a:p>
                   </a:txBody>
@@ -5662,10 +5867,16 @@
                 </a:tc>
                 <a:tc>
                   <a:txBody>
-                    <a:bodyPr lIns="90000" rIns="90000" tIns="46800" bIns="46800" anchor="t">
+                    <a:bodyPr lIns="90000" rIns="90000" anchor="t">
                       <a:noAutofit/>
                     </a:bodyPr>
                     <a:p>
+                      <a:pPr>
+                        <a:lnSpc>
+                          <a:spcPct val="100000"/>
+                        </a:lnSpc>
+                        <a:buNone/>
+                      </a:pPr>
                       <a:r>
                         <a:rPr b="0" lang="en-GB" sz="1800" spc="-1" strike="noStrike">
                           <a:latin typeface="Segoe UI Black"/>
@@ -5673,7 +5884,7 @@
                         <a:t>0.781 [0.777, 0.785]</a:t>
                       </a:r>
                       <a:endParaRPr b="0" lang="en-GB" sz="1800" spc="-1" strike="noStrike">
-                        <a:latin typeface="Segoe UI Black"/>
+                        <a:latin typeface="Arial"/>
                       </a:endParaRPr>
                     </a:p>
                   </a:txBody>
@@ -5707,10 +5918,16 @@
               <a:tr h="629280">
                 <a:tc>
                   <a:txBody>
-                    <a:bodyPr lIns="90000" rIns="90000" tIns="46800" bIns="46800" anchor="t">
+                    <a:bodyPr lIns="90000" rIns="90000" anchor="t">
                       <a:noAutofit/>
                     </a:bodyPr>
                     <a:p>
+                      <a:pPr>
+                        <a:lnSpc>
+                          <a:spcPct val="100000"/>
+                        </a:lnSpc>
+                        <a:buNone/>
+                      </a:pPr>
                       <a:r>
                         <a:rPr b="0" lang="en-GB" sz="1800" spc="-1" strike="noStrike">
                           <a:latin typeface="Segoe UI Black"/>
@@ -5718,7 +5935,7 @@
                         <a:t>Left multimodal</a:t>
                       </a:r>
                       <a:endParaRPr b="0" lang="en-GB" sz="1800" spc="-1" strike="noStrike">
-                        <a:latin typeface="Segoe UI Black"/>
+                        <a:latin typeface="Arial"/>
                       </a:endParaRPr>
                     </a:p>
                   </a:txBody>
@@ -5750,11 +5967,14 @@
                 </a:tc>
                 <a:tc>
                   <a:txBody>
-                    <a:bodyPr lIns="90000" rIns="90000" tIns="46800" bIns="46800" anchor="t">
+                    <a:bodyPr lIns="90000" rIns="90000" anchor="t">
                       <a:noAutofit/>
                     </a:bodyPr>
                     <a:p>
                       <a:pPr algn="r">
+                        <a:lnSpc>
+                          <a:spcPct val="100000"/>
+                        </a:lnSpc>
                         <a:buNone/>
                       </a:pPr>
                       <a:r>
@@ -5764,7 +5984,7 @@
                         <a:t>957</a:t>
                       </a:r>
                       <a:endParaRPr b="0" lang="en-GB" sz="1800" spc="-1" strike="noStrike">
-                        <a:latin typeface="Segoe UI Black"/>
+                        <a:latin typeface="Arial"/>
                       </a:endParaRPr>
                     </a:p>
                   </a:txBody>
@@ -5796,10 +6016,16 @@
                 </a:tc>
                 <a:tc>
                   <a:txBody>
-                    <a:bodyPr lIns="90000" rIns="90000" tIns="46800" bIns="46800" anchor="t">
+                    <a:bodyPr lIns="90000" rIns="90000" anchor="t">
                       <a:noAutofit/>
                     </a:bodyPr>
                     <a:p>
+                      <a:pPr>
+                        <a:lnSpc>
+                          <a:spcPct val="100000"/>
+                        </a:lnSpc>
+                        <a:buNone/>
+                      </a:pPr>
                       <a:r>
                         <a:rPr b="0" lang="en-GB" sz="1800" spc="-1" strike="noStrike">
                           <a:latin typeface="Segoe UI Black"/>
@@ -5807,7 +6033,7 @@
                         <a:t>0.630 (0.009)</a:t>
                       </a:r>
                       <a:endParaRPr b="0" lang="en-GB" sz="1800" spc="-1" strike="noStrike">
-                        <a:latin typeface="Segoe UI Black"/>
+                        <a:latin typeface="Arial"/>
                       </a:endParaRPr>
                     </a:p>
                   </a:txBody>
@@ -5839,10 +6065,16 @@
                 </a:tc>
                 <a:tc>
                   <a:txBody>
-                    <a:bodyPr lIns="90000" rIns="90000" tIns="46800" bIns="46800" anchor="t">
+                    <a:bodyPr lIns="90000" rIns="90000" anchor="t">
                       <a:noAutofit/>
                     </a:bodyPr>
                     <a:p>
+                      <a:pPr>
+                        <a:lnSpc>
+                          <a:spcPct val="100000"/>
+                        </a:lnSpc>
+                        <a:buNone/>
+                      </a:pPr>
                       <a:r>
                         <a:rPr b="0" lang="en-GB" sz="1800" spc="-1" strike="noStrike">
                           <a:latin typeface="Segoe UI Black"/>
@@ -5850,7 +6082,7 @@
                         <a:t>3.757 (0.046)</a:t>
                       </a:r>
                       <a:endParaRPr b="0" lang="en-GB" sz="1800" spc="-1" strike="noStrike">
-                        <a:latin typeface="Segoe UI Black"/>
+                        <a:latin typeface="Arial"/>
                       </a:endParaRPr>
                     </a:p>
                   </a:txBody>
@@ -5882,10 +6114,16 @@
                 </a:tc>
                 <a:tc>
                   <a:txBody>
-                    <a:bodyPr lIns="90000" rIns="90000" tIns="46800" bIns="46800" anchor="t">
+                    <a:bodyPr lIns="90000" rIns="90000" anchor="t">
                       <a:noAutofit/>
                     </a:bodyPr>
                     <a:p>
+                      <a:pPr>
+                        <a:lnSpc>
+                          <a:spcPct val="100000"/>
+                        </a:lnSpc>
+                        <a:buNone/>
+                      </a:pPr>
                       <a:r>
                         <a:rPr b="0" lang="en-GB" sz="1800" spc="-1" strike="noStrike">
                           <a:latin typeface="Segoe UI Black"/>
@@ -5893,7 +6131,7 @@
                         <a:t>4.673 (0.047)</a:t>
                       </a:r>
                       <a:endParaRPr b="0" lang="en-GB" sz="1800" spc="-1" strike="noStrike">
-                        <a:latin typeface="Segoe UI Black"/>
+                        <a:latin typeface="Arial"/>
                       </a:endParaRPr>
                     </a:p>
                   </a:txBody>
@@ -5925,10 +6163,16 @@
                 </a:tc>
                 <a:tc>
                   <a:txBody>
-                    <a:bodyPr lIns="90000" rIns="90000" tIns="46800" bIns="46800" anchor="t">
+                    <a:bodyPr lIns="90000" rIns="90000" anchor="t">
                       <a:noAutofit/>
                     </a:bodyPr>
                     <a:p>
+                      <a:pPr>
+                        <a:lnSpc>
+                          <a:spcPct val="100000"/>
+                        </a:lnSpc>
+                        <a:buNone/>
+                      </a:pPr>
                       <a:r>
                         <a:rPr b="0" lang="en-GB" sz="1800" spc="-1" strike="noStrike">
                           <a:latin typeface="Segoe UI Black"/>
@@ -5936,7 +6180,7 @@
                         <a:t>0.794 [0.790, 0.797]</a:t>
                       </a:r>
                       <a:endParaRPr b="0" lang="en-GB" sz="1800" spc="-1" strike="noStrike">
-                        <a:latin typeface="Segoe UI Black"/>
+                        <a:latin typeface="Arial"/>
                       </a:endParaRPr>
                     </a:p>
                   </a:txBody>
@@ -5970,10 +6214,16 @@
               <a:tr h="629280">
                 <a:tc>
                   <a:txBody>
-                    <a:bodyPr lIns="90000" rIns="90000" tIns="46800" bIns="46800" anchor="t">
+                    <a:bodyPr lIns="90000" rIns="90000" anchor="t">
                       <a:noAutofit/>
                     </a:bodyPr>
                     <a:p>
+                      <a:pPr>
+                        <a:lnSpc>
+                          <a:spcPct val="100000"/>
+                        </a:lnSpc>
+                        <a:buNone/>
+                      </a:pPr>
                       <a:r>
                         <a:rPr b="0" lang="en-GB" sz="1800" spc="-1" strike="noStrike">
                           <a:latin typeface="Segoe UI Black"/>
@@ -5981,7 +6231,7 @@
                         <a:t>Right multimodal</a:t>
                       </a:r>
                       <a:endParaRPr b="0" lang="en-GB" sz="1800" spc="-1" strike="noStrike">
-                        <a:latin typeface="Segoe UI Black"/>
+                        <a:latin typeface="Arial"/>
                       </a:endParaRPr>
                     </a:p>
                   </a:txBody>
@@ -6013,11 +6263,14 @@
                 </a:tc>
                 <a:tc>
                   <a:txBody>
-                    <a:bodyPr lIns="90000" rIns="90000" tIns="46800" bIns="46800" anchor="t">
+                    <a:bodyPr lIns="90000" rIns="90000" anchor="t">
                       <a:noAutofit/>
                     </a:bodyPr>
                     <a:p>
                       <a:pPr algn="r">
+                        <a:lnSpc>
+                          <a:spcPct val="100000"/>
+                        </a:lnSpc>
                         <a:buNone/>
                       </a:pPr>
                       <a:r>
@@ -6027,7 +6280,7 @@
                         <a:t>957</a:t>
                       </a:r>
                       <a:endParaRPr b="0" lang="en-GB" sz="1800" spc="-1" strike="noStrike">
-                        <a:latin typeface="Segoe UI Black"/>
+                        <a:latin typeface="Arial"/>
                       </a:endParaRPr>
                     </a:p>
                   </a:txBody>
@@ -6059,10 +6312,16 @@
                 </a:tc>
                 <a:tc>
                   <a:txBody>
-                    <a:bodyPr lIns="90000" rIns="90000" tIns="46800" bIns="46800" anchor="t">
+                    <a:bodyPr lIns="90000" rIns="90000" anchor="t">
                       <a:noAutofit/>
                     </a:bodyPr>
                     <a:p>
+                      <a:pPr>
+                        <a:lnSpc>
+                          <a:spcPct val="100000"/>
+                        </a:lnSpc>
+                        <a:buNone/>
+                      </a:pPr>
                       <a:r>
                         <a:rPr b="0" lang="en-GB" sz="1800" spc="-1" strike="noStrike">
                           <a:latin typeface="Segoe UI Black"/>
@@ -6070,7 +6329,7 @@
                         <a:t>0.634 (0.014)</a:t>
                       </a:r>
                       <a:endParaRPr b="0" lang="en-GB" sz="1800" spc="-1" strike="noStrike">
-                        <a:latin typeface="Segoe UI Black"/>
+                        <a:latin typeface="Arial"/>
                       </a:endParaRPr>
                     </a:p>
                   </a:txBody>
@@ -6102,10 +6361,16 @@
                 </a:tc>
                 <a:tc>
                   <a:txBody>
-                    <a:bodyPr lIns="90000" rIns="90000" tIns="46800" bIns="46800" anchor="t">
+                    <a:bodyPr lIns="90000" rIns="90000" anchor="t">
                       <a:noAutofit/>
                     </a:bodyPr>
                     <a:p>
+                      <a:pPr>
+                        <a:lnSpc>
+                          <a:spcPct val="100000"/>
+                        </a:lnSpc>
+                        <a:buNone/>
+                      </a:pPr>
                       <a:r>
                         <a:rPr b="0" lang="en-GB" sz="1800" spc="-1" strike="noStrike">
                           <a:latin typeface="Segoe UI Black"/>
@@ -6113,7 +6378,7 @@
                         <a:t>3.723 (0.073)</a:t>
                       </a:r>
                       <a:endParaRPr b="0" lang="en-GB" sz="1800" spc="-1" strike="noStrike">
-                        <a:latin typeface="Segoe UI Black"/>
+                        <a:latin typeface="Arial"/>
                       </a:endParaRPr>
                     </a:p>
                   </a:txBody>
@@ -6145,10 +6410,16 @@
                 </a:tc>
                 <a:tc>
                   <a:txBody>
-                    <a:bodyPr lIns="90000" rIns="90000" tIns="46800" bIns="46800" anchor="t">
+                    <a:bodyPr lIns="90000" rIns="90000" anchor="t">
                       <a:noAutofit/>
                     </a:bodyPr>
                     <a:p>
+                      <a:pPr>
+                        <a:lnSpc>
+                          <a:spcPct val="100000"/>
+                        </a:lnSpc>
+                        <a:buNone/>
+                      </a:pPr>
                       <a:r>
                         <a:rPr b="0" lang="en-GB" sz="1800" spc="-1" strike="noStrike">
                           <a:latin typeface="Segoe UI Black"/>
@@ -6156,7 +6427,7 @@
                         <a:t>4.673 (0.092)</a:t>
                       </a:r>
                       <a:endParaRPr b="0" lang="en-GB" sz="1800" spc="-1" strike="noStrike">
-                        <a:latin typeface="Segoe UI Black"/>
+                        <a:latin typeface="Arial"/>
                       </a:endParaRPr>
                     </a:p>
                   </a:txBody>
@@ -6188,10 +6459,16 @@
                 </a:tc>
                 <a:tc>
                   <a:txBody>
-                    <a:bodyPr lIns="90000" rIns="90000" tIns="46800" bIns="46800" anchor="t">
+                    <a:bodyPr lIns="90000" rIns="90000" anchor="t">
                       <a:noAutofit/>
                     </a:bodyPr>
                     <a:p>
+                      <a:pPr>
+                        <a:lnSpc>
+                          <a:spcPct val="100000"/>
+                        </a:lnSpc>
+                        <a:buNone/>
+                      </a:pPr>
                       <a:r>
                         <a:rPr b="0" lang="en-GB" sz="1800" spc="-1" strike="noStrike">
                           <a:latin typeface="Segoe UI Black"/>
@@ -6199,7 +6476,7 @@
                         <a:t>0.794 [0.791, 0.798]</a:t>
                       </a:r>
                       <a:endParaRPr b="0" lang="en-GB" sz="1800" spc="-1" strike="noStrike">
-                        <a:latin typeface="Segoe UI Black"/>
+                        <a:latin typeface="Arial"/>
                       </a:endParaRPr>
                     </a:p>
                   </a:txBody>
@@ -6233,10 +6510,16 @@
               <a:tr h="632160">
                 <a:tc>
                   <a:txBody>
-                    <a:bodyPr lIns="90000" rIns="90000" tIns="46800" bIns="46800" anchor="t">
+                    <a:bodyPr lIns="90000" rIns="90000" anchor="t">
                       <a:noAutofit/>
                     </a:bodyPr>
                     <a:p>
+                      <a:pPr>
+                        <a:lnSpc>
+                          <a:spcPct val="100000"/>
+                        </a:lnSpc>
+                        <a:buNone/>
+                      </a:pPr>
                       <a:r>
                         <a:rPr b="0" lang="en-GB" sz="1800" spc="-1" strike="noStrike">
                           <a:latin typeface="Segoe UI Black"/>
@@ -6244,7 +6527,7 @@
                         <a:t>Multimodal</a:t>
                       </a:r>
                       <a:endParaRPr b="0" lang="en-GB" sz="1800" spc="-1" strike="noStrike">
-                        <a:latin typeface="Segoe UI Black"/>
+                        <a:latin typeface="Arial"/>
                       </a:endParaRPr>
                     </a:p>
                   </a:txBody>
@@ -6276,11 +6559,14 @@
                 </a:tc>
                 <a:tc>
                   <a:txBody>
-                    <a:bodyPr lIns="90000" rIns="90000" tIns="46800" bIns="46800" anchor="t">
+                    <a:bodyPr lIns="90000" rIns="90000" anchor="t">
                       <a:noAutofit/>
                     </a:bodyPr>
                     <a:p>
                       <a:pPr algn="r">
+                        <a:lnSpc>
+                          <a:spcPct val="100000"/>
+                        </a:lnSpc>
                         <a:buNone/>
                       </a:pPr>
                       <a:r>
@@ -6290,7 +6576,7 @@
                         <a:t>1914</a:t>
                       </a:r>
                       <a:endParaRPr b="0" lang="en-GB" sz="1800" spc="-1" strike="noStrike">
-                        <a:latin typeface="Segoe UI Black"/>
+                        <a:latin typeface="Arial"/>
                       </a:endParaRPr>
                     </a:p>
                   </a:txBody>
@@ -6322,10 +6608,16 @@
                 </a:tc>
                 <a:tc>
                   <a:txBody>
-                    <a:bodyPr lIns="90000" rIns="90000" tIns="46800" bIns="46800" anchor="t">
+                    <a:bodyPr lIns="90000" rIns="90000" anchor="t">
                       <a:noAutofit/>
                     </a:bodyPr>
                     <a:p>
+                      <a:pPr>
+                        <a:lnSpc>
+                          <a:spcPct val="100000"/>
+                        </a:lnSpc>
+                        <a:buNone/>
+                      </a:pPr>
                       <a:r>
                         <a:rPr b="0" lang="en-GB" sz="1800" spc="-1" strike="noStrike">
                           <a:latin typeface="Segoe UI Black"/>
@@ -6333,7 +6625,7 @@
                         <a:t>0.628 (0.017)</a:t>
                       </a:r>
                       <a:endParaRPr b="0" lang="en-GB" sz="1800" spc="-1" strike="noStrike">
-                        <a:latin typeface="Segoe UI Black"/>
+                        <a:latin typeface="Arial"/>
                       </a:endParaRPr>
                     </a:p>
                   </a:txBody>
@@ -6365,10 +6657,16 @@
                 </a:tc>
                 <a:tc>
                   <a:txBody>
-                    <a:bodyPr lIns="90000" rIns="90000" tIns="46800" bIns="46800" anchor="t">
+                    <a:bodyPr lIns="90000" rIns="90000" anchor="t">
                       <a:noAutofit/>
                     </a:bodyPr>
                     <a:p>
+                      <a:pPr>
+                        <a:lnSpc>
+                          <a:spcPct val="100000"/>
+                        </a:lnSpc>
+                        <a:buNone/>
+                      </a:pPr>
                       <a:r>
                         <a:rPr b="0" lang="en-GB" sz="1800" spc="-1" strike="noStrike">
                           <a:latin typeface="Segoe UI Black"/>
@@ -6376,7 +6674,7 @@
                         <a:t>3.663 (0.055)</a:t>
                       </a:r>
                       <a:endParaRPr b="0" lang="en-GB" sz="1800" spc="-1" strike="noStrike">
-                        <a:latin typeface="Segoe UI Black"/>
+                        <a:latin typeface="Arial"/>
                       </a:endParaRPr>
                     </a:p>
                   </a:txBody>
@@ -6408,10 +6706,16 @@
                 </a:tc>
                 <a:tc>
                   <a:txBody>
-                    <a:bodyPr lIns="90000" rIns="90000" tIns="46800" bIns="46800" anchor="t">
+                    <a:bodyPr lIns="90000" rIns="90000" anchor="t">
                       <a:noAutofit/>
                     </a:bodyPr>
                     <a:p>
+                      <a:pPr>
+                        <a:lnSpc>
+                          <a:spcPct val="100000"/>
+                        </a:lnSpc>
+                        <a:buNone/>
+                      </a:pPr>
                       <a:r>
                         <a:rPr b="0" lang="en-GB" sz="1800" spc="-1" strike="noStrike">
                           <a:latin typeface="Segoe UI Black"/>
@@ -6419,7 +6723,7 @@
                         <a:t>4.563 (0.077)</a:t>
                       </a:r>
                       <a:endParaRPr b="0" lang="en-GB" sz="1800" spc="-1" strike="noStrike">
-                        <a:latin typeface="Segoe UI Black"/>
+                        <a:latin typeface="Arial"/>
                       </a:endParaRPr>
                     </a:p>
                   </a:txBody>
@@ -6451,10 +6755,16 @@
                 </a:tc>
                 <a:tc>
                   <a:txBody>
-                    <a:bodyPr lIns="90000" rIns="90000" tIns="46800" bIns="46800" anchor="t">
+                    <a:bodyPr lIns="90000" rIns="90000" anchor="t">
                       <a:noAutofit/>
                     </a:bodyPr>
                     <a:p>
+                      <a:pPr>
+                        <a:lnSpc>
+                          <a:spcPct val="100000"/>
+                        </a:lnSpc>
+                        <a:buNone/>
+                      </a:pPr>
                       <a:r>
                         <a:rPr b="0" lang="en-GB" sz="1800" spc="-1" strike="noStrike">
                           <a:latin typeface="Segoe UI Black"/>
@@ -6462,7 +6772,7 @@
                         <a:t>0.793 [0.789, 0.797]</a:t>
                       </a:r>
                       <a:endParaRPr b="0" lang="en-GB" sz="1800" spc="-1" strike="noStrike">
-                        <a:latin typeface="Segoe UI Black"/>
+                        <a:latin typeface="Arial"/>
                       </a:endParaRPr>
                     </a:p>
                   </a:txBody>
@@ -6499,6 +6809,29 @@
       </p:graphicFrame>
       <p:pic>
         <p:nvPicPr>
+          <p:cNvPr id="61" name="" descr=""/>
+          <p:cNvPicPr/>
+          <p:nvPr/>
+        </p:nvPicPr>
+        <p:blipFill>
+          <a:blip r:embed="rId4"/>
+          <a:stretch/>
+        </p:blipFill>
+        <p:spPr>
+          <a:xfrm>
+            <a:off x="21420000" y="21303360"/>
+            <a:ext cx="4629240" cy="3241800"/>
+          </a:xfrm>
+          <a:prstGeom prst="rect">
+            <a:avLst/>
+          </a:prstGeom>
+          <a:ln w="0">
+            <a:noFill/>
+          </a:ln>
+        </p:spPr>
+      </p:pic>
+      <p:pic>
+        <p:nvPicPr>
           <p:cNvPr id="62" name="" descr=""/>
           <p:cNvPicPr/>
           <p:nvPr/>
@@ -6509,8 +6842,8 @@
         </p:blipFill>
         <p:spPr>
           <a:xfrm>
-            <a:off x="17229600" y="18602640"/>
-            <a:ext cx="11881440" cy="14256360"/>
+            <a:off x="8781120" y="15046200"/>
+            <a:ext cx="6987600" cy="6987600"/>
           </a:xfrm>
           <a:prstGeom prst="rect">
             <a:avLst/>
@@ -6532,8 +6865,8 @@
         </p:blipFill>
         <p:spPr>
           <a:xfrm>
-            <a:off x="25610400" y="28620000"/>
-            <a:ext cx="4629600" cy="3242160"/>
+            <a:off x="17017560" y="20629800"/>
+            <a:ext cx="13222440" cy="13338360"/>
           </a:xfrm>
           <a:prstGeom prst="rect">
             <a:avLst/>
@@ -6543,61 +6876,6 @@
           </a:ln>
         </p:spPr>
       </p:pic>
-      <p:pic>
-        <p:nvPicPr>
-          <p:cNvPr id="64" name="" descr=""/>
-          <p:cNvPicPr/>
-          <p:nvPr/>
-        </p:nvPicPr>
-        <p:blipFill>
-          <a:blip r:embed="rId7"/>
-          <a:stretch/>
-        </p:blipFill>
-        <p:spPr>
-          <a:xfrm>
-            <a:off x="8808120" y="14340960"/>
-            <a:ext cx="7320960" cy="7320960"/>
-          </a:xfrm>
-          <a:prstGeom prst="rect">
-            <a:avLst/>
-          </a:prstGeom>
-          <a:ln w="0">
-            <a:noFill/>
-          </a:ln>
-        </p:spPr>
-      </p:pic>
-      <p:sp>
-        <p:nvSpPr>
-          <p:cNvPr id="65" name=""/>
-          <p:cNvSpPr/>
-          <p:nvPr/>
-        </p:nvSpPr>
-        <p:spPr>
-          <a:xfrm>
-            <a:off x="27000000" y="36809640"/>
-            <a:ext cx="4140000" cy="3600000"/>
-          </a:xfrm>
-          <a:prstGeom prst="smileyFace">
-            <a:avLst>
-              <a:gd name="adj" fmla="val 9282"/>
-            </a:avLst>
-          </a:prstGeom>
-          <a:solidFill>
-            <a:srgbClr val="729fcf"/>
-          </a:solidFill>
-          <a:ln w="0">
-            <a:solidFill>
-              <a:srgbClr val="3465a4"/>
-            </a:solidFill>
-          </a:ln>
-        </p:spPr>
-        <p:style>
-          <a:lnRef idx="0"/>
-          <a:fillRef idx="0"/>
-          <a:effectRef idx="0"/>
-          <a:fontRef idx="minor"/>
-        </p:style>
-      </p:sp>
     </p:spTree>
   </p:cSld>
   <mc:AlternateContent>

--- a/HemiBrainAge_HBM.pptx
+++ b/HemiBrainAge_HBM.pptx
@@ -63,7 +63,7 @@
         <p:txBody>
           <a:bodyPr/>
           <a:p>
-            <a:fld id="{97A6AD93-11ED-489F-B167-5FA0897CC224}" type="slidenum">
+            <a:fld id="{52CCE4B0-05A9-491F-913B-2FFF71A17E83}" type="slidenum">
               <a:t>&lt;#&gt;</a:t>
             </a:fld>
           </a:p>
@@ -251,7 +251,7 @@
         <p:txBody>
           <a:bodyPr/>
           <a:p>
-            <a:fld id="{A9814604-F9DD-43BE-89B4-7DA2789913D5}" type="slidenum">
+            <a:fld id="{E15395FA-47C9-4C9E-BD24-9C3BC6630D20}" type="slidenum">
               <a:t>&lt;#&gt;</a:t>
             </a:fld>
           </a:p>
@@ -507,7 +507,7 @@
         <p:txBody>
           <a:bodyPr/>
           <a:p>
-            <a:fld id="{5E4F6130-2360-415E-93F6-D2F3550A74C9}" type="slidenum">
+            <a:fld id="{D3076165-63E8-4DD6-9503-2598F512CC38}" type="slidenum">
               <a:t>&lt;#&gt;</a:t>
             </a:fld>
           </a:p>
@@ -831,7 +831,7 @@
         <p:txBody>
           <a:bodyPr/>
           <a:p>
-            <a:fld id="{911848AB-EA05-4B2A-BEC3-C142055F8AC1}" type="slidenum">
+            <a:fld id="{5E93EE99-47BA-4D14-92B1-C8B41EA20825}" type="slidenum">
               <a:t>&lt;#&gt;</a:t>
             </a:fld>
           </a:p>
@@ -988,7 +988,7 @@
         <p:txBody>
           <a:bodyPr/>
           <a:p>
-            <a:fld id="{D758901A-71E1-4B05-8BAA-0D76F9A37A97}" type="slidenum">
+            <a:fld id="{FFF4243A-8696-4062-9A91-E8A0F028633A}" type="slidenum">
               <a:t>&lt;#&gt;</a:t>
             </a:fld>
           </a:p>
@@ -1142,7 +1142,7 @@
         <p:txBody>
           <a:bodyPr/>
           <a:p>
-            <a:fld id="{C9315CC7-3524-4EF7-9026-27EF970B26BD}" type="slidenum">
+            <a:fld id="{AD9EBD98-9D66-46AD-AD80-C91FAAD27BAA}" type="slidenum">
               <a:t>&lt;#&gt;</a:t>
             </a:fld>
           </a:p>
@@ -1330,7 +1330,7 @@
         <p:txBody>
           <a:bodyPr/>
           <a:p>
-            <a:fld id="{03239108-BC0F-4ABE-9D0B-73263852EF54}" type="slidenum">
+            <a:fld id="{5E598613-72B8-4A10-862B-23DB5321FECF}" type="slidenum">
               <a:t>&lt;#&gt;</a:t>
             </a:fld>
           </a:p>
@@ -1450,7 +1450,7 @@
         <p:txBody>
           <a:bodyPr/>
           <a:p>
-            <a:fld id="{DD42A1D6-060B-4D0E-A920-1571987FC227}" type="slidenum">
+            <a:fld id="{CE9B71FB-813D-455C-9A6A-BF68473795CA}" type="slidenum">
               <a:t>&lt;#&gt;</a:t>
             </a:fld>
           </a:p>
@@ -1570,7 +1570,7 @@
         <p:txBody>
           <a:bodyPr/>
           <a:p>
-            <a:fld id="{F9B9B8A0-FC0F-4383-A90C-32C35344F4BC}" type="slidenum">
+            <a:fld id="{479C9789-EE89-4FB2-917E-6DE8AFE559CB}" type="slidenum">
               <a:t>&lt;#&gt;</a:t>
             </a:fld>
           </a:p>
@@ -1792,7 +1792,7 @@
         <p:txBody>
           <a:bodyPr/>
           <a:p>
-            <a:fld id="{82EBBDC5-97E7-4683-9894-A729ADDB4FD0}" type="slidenum">
+            <a:fld id="{8F68B255-1967-48CE-8D36-646096571F95}" type="slidenum">
               <a:t>&lt;#&gt;</a:t>
             </a:fld>
           </a:p>
@@ -2014,7 +2014,7 @@
         <p:txBody>
           <a:bodyPr/>
           <a:p>
-            <a:fld id="{5C169613-06A0-4C38-AF38-E6591160BF76}" type="slidenum">
+            <a:fld id="{C9FC2697-83E2-4BBE-833F-CD6F3B35305A}" type="slidenum">
               <a:t>&lt;#&gt;</a:t>
             </a:fld>
           </a:p>
@@ -2236,7 +2236,7 @@
         <p:txBody>
           <a:bodyPr/>
           <a:p>
-            <a:fld id="{67C297F4-518C-424B-B152-45BFDD22BE59}" type="slidenum">
+            <a:fld id="{FCFF2910-1527-43CE-896B-F93356EB12BF}" type="slidenum">
               <a:t>&lt;#&gt;</a:t>
             </a:fld>
           </a:p>
@@ -2305,7 +2305,7 @@
         <p:spPr>
           <a:xfrm>
             <a:off x="10600920" y="38138040"/>
-            <a:ext cx="10799640" cy="2188800"/>
+            <a:ext cx="10799280" cy="2188440"/>
           </a:xfrm>
           <a:prstGeom prst="rect">
             <a:avLst/>
@@ -2341,7 +2341,7 @@
               <a:rPr b="0" lang="en-GB" sz="1400" spc="-1" strike="noStrike">
                 <a:latin typeface="Times New Roman"/>
               </a:rPr>
-              <a:t> </a:t>
+              <a:t>&lt;footer&gt;</a:t>
             </a:r>
             <a:endParaRPr b="0" lang="en-GB" sz="1400" spc="-1" strike="noStrike">
               <a:latin typeface="Times New Roman"/>
@@ -2362,7 +2362,7 @@
         <p:spPr>
           <a:xfrm>
             <a:off x="22602600" y="38138040"/>
-            <a:ext cx="7198920" cy="2188800"/>
+            <a:ext cx="7198560" cy="2188440"/>
           </a:xfrm>
           <a:prstGeom prst="rect">
             <a:avLst/>
@@ -2397,14 +2397,14 @@
               </a:lnSpc>
               <a:buNone/>
             </a:pPr>
-            <a:fld id="{4CD67F90-7DEE-42AC-8DFF-4B42D6674C15}" type="slidenum">
+            <a:fld id="{E4362AE3-8527-4E86-8D58-227E0C6E39BD}" type="slidenum">
               <a:rPr b="0" lang="en-US" sz="3970" spc="-1" strike="noStrike">
                 <a:solidFill>
                   <a:srgbClr val="8b8b8b"/>
                 </a:solidFill>
                 <a:latin typeface="Calibri"/>
               </a:rPr>
-              <a:t>1</a:t>
+              <a:t>&lt;number&gt;</a:t>
             </a:fld>
             <a:endParaRPr b="0" lang="en-GB" sz="3970" spc="-1" strike="noStrike">
               <a:latin typeface="Times New Roman"/>
@@ -2425,7 +2425,7 @@
         <p:spPr>
           <a:xfrm>
             <a:off x="2200320" y="38138040"/>
-            <a:ext cx="7198920" cy="2188800"/>
+            <a:ext cx="7198560" cy="2188440"/>
           </a:xfrm>
           <a:prstGeom prst="rect">
             <a:avLst/>
@@ -2451,7 +2451,7 @@
               <a:rPr b="0" lang="en-GB" sz="1400" spc="-1" strike="noStrike">
                 <a:latin typeface="Times New Roman"/>
               </a:rPr>
-              <a:t> </a:t>
+              <a:t>&lt;date/time&gt;</a:t>
             </a:r>
             <a:endParaRPr b="0" lang="en-GB" sz="1400" spc="-1" strike="noStrike">
               <a:latin typeface="Times New Roman"/>
@@ -2738,7 +2738,7 @@
         <p:spPr>
           <a:xfrm>
             <a:off x="16740000" y="14699160"/>
-            <a:ext cx="13678920" cy="19320840"/>
+            <a:ext cx="13678560" cy="19320480"/>
           </a:xfrm>
           <a:prstGeom prst="rect">
             <a:avLst/>
@@ -2807,7 +2807,7 @@
         <p:spPr>
           <a:xfrm>
             <a:off x="0" y="38518200"/>
-            <a:ext cx="32218560" cy="2841480"/>
+            <a:ext cx="32218200" cy="2841120"/>
           </a:xfrm>
           <a:prstGeom prst="rect">
             <a:avLst/>
@@ -2846,7 +2846,7 @@
         <p:spPr>
           <a:xfrm>
             <a:off x="360000" y="38676600"/>
-            <a:ext cx="5399280" cy="2519280"/>
+            <a:ext cx="5398920" cy="2518920"/>
           </a:xfrm>
           <a:prstGeom prst="rect">
             <a:avLst/>
@@ -2915,7 +2915,7 @@
         <p:spPr>
           <a:xfrm>
             <a:off x="1897560" y="29310480"/>
-            <a:ext cx="14482440" cy="4709520"/>
+            <a:ext cx="14482080" cy="4709160"/>
           </a:xfrm>
           <a:prstGeom prst="rect">
             <a:avLst/>
@@ -2984,7 +2984,7 @@
         <p:spPr>
           <a:xfrm>
             <a:off x="0" y="-62280"/>
-            <a:ext cx="32218560" cy="5943960"/>
+            <a:ext cx="32218200" cy="5943600"/>
           </a:xfrm>
           <a:prstGeom prst="rect">
             <a:avLst/>
@@ -3022,8 +3022,8 @@
         </p:nvSpPr>
         <p:spPr>
           <a:xfrm>
-            <a:off x="1882800" y="0"/>
-            <a:ext cx="27376200" cy="5439600"/>
+            <a:off x="1882800" y="211680"/>
+            <a:ext cx="27375840" cy="4447080"/>
           </a:xfrm>
           <a:prstGeom prst="rect">
             <a:avLst/>
@@ -3051,26 +3051,26 @@
               <a:buNone/>
             </a:pPr>
             <a:r>
-              <a:rPr b="1" lang="en-US" sz="9000" spc="-1" strike="noStrike">
+              <a:rPr b="1" lang="en-US" sz="11000" spc="-1" strike="noStrike">
                 <a:solidFill>
                   <a:srgbClr val="ffffff"/>
                 </a:solidFill>
                 <a:latin typeface="Arial"/>
                 <a:ea typeface="Segoe UI Black"/>
               </a:rPr>
-              <a:t>“</a:t>
+              <a:t>Regional grey and white matter </a:t>
             </a:r>
             <a:r>
-              <a:rPr b="1" lang="en-US" sz="9000" spc="-1" strike="noStrike">
+              <a:rPr b="1" lang="en-US" sz="11000" spc="-1" strike="noStrike">
                 <a:solidFill>
                   <a:srgbClr val="ffffff"/>
                 </a:solidFill>
                 <a:latin typeface="Arial"/>
                 <a:ea typeface="Segoe UI Black"/>
               </a:rPr>
-              <a:t>Asymmetric brain ageing is reflected by left/right brain ages which are very similar to whole-brain age estimates”</a:t>
+              <a:t>asymmetry decreases at higher ages.</a:t>
             </a:r>
-            <a:endParaRPr b="0" lang="en-GB" sz="9000" spc="-1" strike="noStrike">
+            <a:endParaRPr b="0" lang="en-GB" sz="11000" spc="-1" strike="noStrike">
               <a:latin typeface="Arial"/>
             </a:endParaRPr>
           </a:p>
@@ -3084,8 +3084,8 @@
         </p:nvSpPr>
         <p:spPr>
           <a:xfrm>
-            <a:off x="7382880" y="38860920"/>
-            <a:ext cx="18172080" cy="2009880"/>
+            <a:off x="7382880" y="38890800"/>
+            <a:ext cx="18171720" cy="2009880"/>
           </a:xfrm>
           <a:prstGeom prst="rect">
             <a:avLst/>
@@ -3147,7 +3147,7 @@
         <p:spPr>
           <a:xfrm>
             <a:off x="1897560" y="14669280"/>
-            <a:ext cx="14482080" cy="14310720"/>
+            <a:ext cx="14481720" cy="14310360"/>
           </a:xfrm>
           <a:prstGeom prst="rect">
             <a:avLst/>
@@ -3216,7 +3216,7 @@
         <p:spPr>
           <a:xfrm>
             <a:off x="2138400" y="14751360"/>
-            <a:ext cx="6321240" cy="6488640"/>
+            <a:ext cx="6320880" cy="6487920"/>
           </a:xfrm>
           <a:prstGeom prst="rect">
             <a:avLst/>
@@ -3277,8 +3277,8 @@
         </p:nvSpPr>
         <p:spPr>
           <a:xfrm>
-            <a:off x="1897560" y="7732080"/>
-            <a:ext cx="28522080" cy="6349320"/>
+            <a:off x="1897560" y="7821720"/>
+            <a:ext cx="28521720" cy="6348600"/>
           </a:xfrm>
           <a:prstGeom prst="rect">
             <a:avLst/>
@@ -3378,7 +3378,7 @@
                 <a:latin typeface="Segoe UI"/>
                 <a:ea typeface="Segoe UI Black"/>
               </a:rPr>
-              <a:t> &gt; 39,500) data using the laterality index (LI). We furthermore present how to leverage brain asymmetries by estimating hemispheric brain age (HBA) from the left/right hemispere instead of the whole brain. </a:t>
+              <a:t> &gt; 39,500) data using the laterality index (LI). We furthermore show how to leverage brain asymmetries by estimating hemispheric brain age (HBA) from the left/right hemispere instead of the whole brain. </a:t>
             </a:r>
             <a:endParaRPr b="0" lang="en-GB" sz="4000" spc="-1" strike="noStrike">
               <a:latin typeface="Arial"/>
@@ -3395,7 +3395,7 @@
         <p:spPr>
           <a:xfrm>
             <a:off x="1839600" y="6276240"/>
-            <a:ext cx="29174400" cy="1040400"/>
+            <a:ext cx="29174040" cy="1040400"/>
           </a:xfrm>
           <a:prstGeom prst="rect">
             <a:avLst/>
@@ -3447,7 +3447,7 @@
         <p:spPr>
           <a:xfrm>
             <a:off x="2160000" y="29160000"/>
-            <a:ext cx="14038920" cy="4660560"/>
+            <a:ext cx="14038560" cy="4659840"/>
           </a:xfrm>
           <a:prstGeom prst="rect">
             <a:avLst/>
@@ -3492,17 +3492,7 @@
                 <a:latin typeface="Segoe UI Black"/>
                 <a:ea typeface="Segoe UI Black"/>
               </a:rPr>
-              <a:t> We find no significant influence </a:t>
-            </a:r>
-            <a:r>
-              <a:rPr b="0" lang="en-US" sz="4000" spc="-1" strike="noStrike">
-                <a:solidFill>
-                  <a:srgbClr val="000000"/>
-                </a:solidFill>
-                <a:latin typeface="Segoe UI Black"/>
-                <a:ea typeface="Segoe UI Black"/>
-              </a:rPr>
-              <a:t>(p &gt; 0.05) of hemisphere, modality or handedness on HBA, but age-sensitivity of the HBA asymmetry. Finally, we show that various cardiometabolic risk factors concordantly relate to HBA (see preprint).</a:t>
+              <a:t> We find no significant influence (p &gt; 0.05) of hemisphere, modality or handedness on HBA, but age-sensitivity of the HBA asymmetry. Finally, we show that various cardiometabolic risk factors concordantly relate to HBA (see preprint).</a:t>
             </a:r>
             <a:endParaRPr b="0" lang="en-GB" sz="4000" spc="-1" strike="noStrike">
               <a:latin typeface="Arial"/>
@@ -3523,7 +3513,7 @@
         <p:spPr>
           <a:xfrm>
             <a:off x="4669920" y="39426840"/>
-            <a:ext cx="1078560" cy="1078560"/>
+            <a:ext cx="1078200" cy="1078200"/>
           </a:xfrm>
           <a:prstGeom prst="rect">
             <a:avLst/>
@@ -3546,7 +3536,7 @@
         <p:spPr>
           <a:xfrm>
             <a:off x="462600" y="38797560"/>
-            <a:ext cx="3983400" cy="1152000"/>
+            <a:ext cx="3983040" cy="1151640"/>
           </a:xfrm>
           <a:prstGeom prst="rect">
             <a:avLst/>
@@ -3569,7 +3559,7 @@
         <p:spPr>
           <a:xfrm>
             <a:off x="451080" y="40206240"/>
-            <a:ext cx="3687480" cy="937080"/>
+            <a:ext cx="3687120" cy="936720"/>
           </a:xfrm>
           <a:prstGeom prst="rect">
             <a:avLst/>
@@ -3587,8 +3577,8 @@
         </p:nvSpPr>
         <p:spPr>
           <a:xfrm>
-            <a:off x="1882800" y="34286040"/>
-            <a:ext cx="28536120" cy="3745440"/>
+            <a:off x="1882800" y="34435440"/>
+            <a:ext cx="28535760" cy="3744720"/>
           </a:xfrm>
           <a:prstGeom prst="rect">
             <a:avLst/>
@@ -3637,17 +3627,7 @@
                 <a:latin typeface="Segoe UI"/>
                 <a:ea typeface="Segoe UI Black"/>
               </a:rPr>
-              <a:t> Our findings emphasise age-dependencies in regional and whole-brain asymmetries. HBA can be used to assess brain health specific to a single hermisphere, and asymmetries in HBA </a:t>
-            </a:r>
-            <a:r>
-              <a:rPr b="0" lang="en-US" sz="4200" spc="-1" strike="noStrike">
-                <a:solidFill>
-                  <a:srgbClr val="000000"/>
-                </a:solidFill>
-                <a:latin typeface="Segoe UI"/>
-                <a:ea typeface="Segoe UI Black"/>
-              </a:rPr>
-              <a:t>capture the general trend of decreasing brain asymmetry.</a:t>
+              <a:t> Our findings emphasise age-dependencies in regional and whole-brain asymmetries. HBA can be used to assess brain health specific to a single hermisphere, and asymmetries in HBA capture the general trend of decreasing brain asymmetry.</a:t>
             </a:r>
             <a:endParaRPr b="0" lang="en-GB" sz="4200" spc="-1" strike="noStrike">
               <a:latin typeface="Arial"/>
@@ -3663,8 +3643,8 @@
         </p:nvSpPr>
         <p:spPr>
           <a:xfrm>
-            <a:off x="28620000" y="38943000"/>
-            <a:ext cx="3664080" cy="2804040"/>
+            <a:off x="28231560" y="38972880"/>
+            <a:ext cx="3663720" cy="2803680"/>
           </a:xfrm>
           <a:prstGeom prst="rect">
             <a:avLst/>
@@ -3716,7 +3696,7 @@
         <p:spPr>
           <a:xfrm>
             <a:off x="8798040" y="21841560"/>
-            <a:ext cx="7581240" cy="386640"/>
+            <a:ext cx="7580880" cy="386640"/>
           </a:xfrm>
           <a:prstGeom prst="rect">
             <a:avLst/>
@@ -3768,7 +3748,7 @@
         <p:spPr>
           <a:xfrm>
             <a:off x="17280000" y="14765400"/>
-            <a:ext cx="12778920" cy="5574600"/>
+            <a:ext cx="12778560" cy="6487920"/>
           </a:xfrm>
           <a:prstGeom prst="rect">
             <a:avLst/>
@@ -3813,7 +3793,27 @@
                 <a:latin typeface="Segoe UI Black"/>
                 <a:ea typeface="Segoe UI Black"/>
               </a:rPr>
-              <a:t> Fornix-striaterminalis microstructure and frontal grey matter thickness asymmetry presented strongest negative age-assocations, and cingulate microstructure and inferiorparital thickness strongest negative relationships, respectively.</a:t>
+              <a:t> </a:t>
+            </a:r>
+            <a:r>
+              <a:rPr b="0" i="1" lang="en-US" sz="4000" spc="-1" strike="noStrike">
+                <a:solidFill>
+                  <a:srgbClr val="000000"/>
+                </a:solidFill>
+                <a:latin typeface="Segoe UI Black"/>
+                <a:ea typeface="Segoe UI Black"/>
+              </a:rPr>
+              <a:t>Grey and white matter become generally more symmetric at higher ages.</a:t>
+            </a:r>
+            <a:r>
+              <a:rPr b="0" lang="en-US" sz="4000" spc="-1" strike="noStrike">
+                <a:solidFill>
+                  <a:srgbClr val="000000"/>
+                </a:solidFill>
+                <a:latin typeface="Segoe UI Black"/>
+                <a:ea typeface="Segoe UI Black"/>
+              </a:rPr>
+              <a:t> Fornix-striaterminalis microstructure and frontal grey matter thickness LI presented strongest negative age-assocations, and cingulate microstructure and inferiorparital thickness LI strongest negative relationships, respectively.</a:t>
             </a:r>
             <a:endParaRPr b="0" lang="en-GB" sz="4000" spc="-1" strike="noStrike">
               <a:latin typeface="Arial"/>
@@ -3829,7 +3829,7 @@
         </p:nvGraphicFramePr>
         <p:xfrm>
           <a:off x="2284920" y="22505760"/>
-          <a:ext cx="13914720" cy="6029640"/>
+          <a:ext cx="13914720" cy="6306480"/>
         </p:xfrm>
         <a:graphic>
           <a:graphicData uri="http://schemas.openxmlformats.org/drawingml/2006/table">
@@ -6819,8 +6819,8 @@
         </p:blipFill>
         <p:spPr>
           <a:xfrm>
-            <a:off x="21420000" y="21303360"/>
-            <a:ext cx="4629240" cy="3241800"/>
+            <a:off x="8796960" y="14940000"/>
+            <a:ext cx="6901560" cy="6901560"/>
           </a:xfrm>
           <a:prstGeom prst="rect">
             <a:avLst/>
@@ -6842,8 +6842,8 @@
         </p:blipFill>
         <p:spPr>
           <a:xfrm>
-            <a:off x="8781120" y="15046200"/>
-            <a:ext cx="6987600" cy="6987600"/>
+            <a:off x="18215640" y="20969280"/>
+            <a:ext cx="10441800" cy="13050360"/>
           </a:xfrm>
           <a:prstGeom prst="rect">
             <a:avLst/>
@@ -6865,8 +6865,8 @@
         </p:blipFill>
         <p:spPr>
           <a:xfrm>
-            <a:off x="17017560" y="20629800"/>
-            <a:ext cx="13222440" cy="13338360"/>
+            <a:off x="21660120" y="21600000"/>
+            <a:ext cx="3826080" cy="2679480"/>
           </a:xfrm>
           <a:prstGeom prst="rect">
             <a:avLst/>

--- a/HemiBrainAge_HBM.pptx
+++ b/HemiBrainAge_HBM.pptx
@@ -63,7 +63,7 @@
         <p:txBody>
           <a:bodyPr/>
           <a:p>
-            <a:fld id="{52CCE4B0-05A9-491F-913B-2FFF71A17E83}" type="slidenum">
+            <a:fld id="{FD07A520-5094-43A3-9B9F-E22367BF4C82}" type="slidenum">
               <a:t>&lt;#&gt;</a:t>
             </a:fld>
           </a:p>
@@ -251,7 +251,7 @@
         <p:txBody>
           <a:bodyPr/>
           <a:p>
-            <a:fld id="{E15395FA-47C9-4C9E-BD24-9C3BC6630D20}" type="slidenum">
+            <a:fld id="{8CA5CE81-2F0E-4CA6-BC1B-5FF27CDA1F23}" type="slidenum">
               <a:t>&lt;#&gt;</a:t>
             </a:fld>
           </a:p>
@@ -507,7 +507,7 @@
         <p:txBody>
           <a:bodyPr/>
           <a:p>
-            <a:fld id="{D3076165-63E8-4DD6-9503-2598F512CC38}" type="slidenum">
+            <a:fld id="{B58843F9-1523-4659-9E00-22D15A6ED5B2}" type="slidenum">
               <a:t>&lt;#&gt;</a:t>
             </a:fld>
           </a:p>
@@ -831,7 +831,7 @@
         <p:txBody>
           <a:bodyPr/>
           <a:p>
-            <a:fld id="{5E93EE99-47BA-4D14-92B1-C8B41EA20825}" type="slidenum">
+            <a:fld id="{1E33C45A-B1E4-4186-9895-107C9CA2AA80}" type="slidenum">
               <a:t>&lt;#&gt;</a:t>
             </a:fld>
           </a:p>
@@ -988,7 +988,7 @@
         <p:txBody>
           <a:bodyPr/>
           <a:p>
-            <a:fld id="{FFF4243A-8696-4062-9A91-E8A0F028633A}" type="slidenum">
+            <a:fld id="{0BE7DAE4-06E5-4783-BFD1-176FD6E3AF40}" type="slidenum">
               <a:t>&lt;#&gt;</a:t>
             </a:fld>
           </a:p>
@@ -1142,7 +1142,7 @@
         <p:txBody>
           <a:bodyPr/>
           <a:p>
-            <a:fld id="{AD9EBD98-9D66-46AD-AD80-C91FAAD27BAA}" type="slidenum">
+            <a:fld id="{5622AB0E-886C-4E2B-B7A0-406E0ED540E4}" type="slidenum">
               <a:t>&lt;#&gt;</a:t>
             </a:fld>
           </a:p>
@@ -1330,7 +1330,7 @@
         <p:txBody>
           <a:bodyPr/>
           <a:p>
-            <a:fld id="{5E598613-72B8-4A10-862B-23DB5321FECF}" type="slidenum">
+            <a:fld id="{29AC5B75-C33A-457C-A2BE-B852B572A5D1}" type="slidenum">
               <a:t>&lt;#&gt;</a:t>
             </a:fld>
           </a:p>
@@ -1450,7 +1450,7 @@
         <p:txBody>
           <a:bodyPr/>
           <a:p>
-            <a:fld id="{CE9B71FB-813D-455C-9A6A-BF68473795CA}" type="slidenum">
+            <a:fld id="{BF8BBFA7-4222-4315-BBD0-F76B7403F0A9}" type="slidenum">
               <a:t>&lt;#&gt;</a:t>
             </a:fld>
           </a:p>
@@ -1570,7 +1570,7 @@
         <p:txBody>
           <a:bodyPr/>
           <a:p>
-            <a:fld id="{479C9789-EE89-4FB2-917E-6DE8AFE559CB}" type="slidenum">
+            <a:fld id="{021CDC42-F94C-4FD1-8780-30EBCFF87453}" type="slidenum">
               <a:t>&lt;#&gt;</a:t>
             </a:fld>
           </a:p>
@@ -1792,7 +1792,7 @@
         <p:txBody>
           <a:bodyPr/>
           <a:p>
-            <a:fld id="{8F68B255-1967-48CE-8D36-646096571F95}" type="slidenum">
+            <a:fld id="{1CCBFE11-247E-4369-9336-0452578BB48E}" type="slidenum">
               <a:t>&lt;#&gt;</a:t>
             </a:fld>
           </a:p>
@@ -2014,7 +2014,7 @@
         <p:txBody>
           <a:bodyPr/>
           <a:p>
-            <a:fld id="{C9FC2697-83E2-4BBE-833F-CD6F3B35305A}" type="slidenum">
+            <a:fld id="{C99579C4-805C-4F32-BC54-A2B5E2A92D2B}" type="slidenum">
               <a:t>&lt;#&gt;</a:t>
             </a:fld>
           </a:p>
@@ -2236,7 +2236,7 @@
         <p:txBody>
           <a:bodyPr/>
           <a:p>
-            <a:fld id="{FCFF2910-1527-43CE-896B-F93356EB12BF}" type="slidenum">
+            <a:fld id="{66D45E9B-A5CD-44FA-904B-1461F9F5E0EC}" type="slidenum">
               <a:t>&lt;#&gt;</a:t>
             </a:fld>
           </a:p>
@@ -2341,7 +2341,7 @@
               <a:rPr b="0" lang="en-GB" sz="1400" spc="-1" strike="noStrike">
                 <a:latin typeface="Times New Roman"/>
               </a:rPr>
-              <a:t>&lt;footer&gt;</a:t>
+              <a:t> </a:t>
             </a:r>
             <a:endParaRPr b="0" lang="en-GB" sz="1400" spc="-1" strike="noStrike">
               <a:latin typeface="Times New Roman"/>
@@ -2397,14 +2397,14 @@
               </a:lnSpc>
               <a:buNone/>
             </a:pPr>
-            <a:fld id="{E4362AE3-8527-4E86-8D58-227E0C6E39BD}" type="slidenum">
+            <a:fld id="{E4649895-7C39-462D-8F8A-3CBF138317ED}" type="slidenum">
               <a:rPr b="0" lang="en-US" sz="3970" spc="-1" strike="noStrike">
                 <a:solidFill>
                   <a:srgbClr val="8b8b8b"/>
                 </a:solidFill>
                 <a:latin typeface="Calibri"/>
               </a:rPr>
-              <a:t>&lt;number&gt;</a:t>
+              <a:t>1</a:t>
             </a:fld>
             <a:endParaRPr b="0" lang="en-GB" sz="3970" spc="-1" strike="noStrike">
               <a:latin typeface="Times New Roman"/>
@@ -2451,7 +2451,7 @@
               <a:rPr b="0" lang="en-GB" sz="1400" spc="-1" strike="noStrike">
                 <a:latin typeface="Times New Roman"/>
               </a:rPr>
-              <a:t>&lt;date/time&gt;</a:t>
+              <a:t> </a:t>
             </a:r>
             <a:endParaRPr b="0" lang="en-GB" sz="1400" spc="-1" strike="noStrike">
               <a:latin typeface="Times New Roman"/>
@@ -3022,8 +3022,8 @@
         </p:nvSpPr>
         <p:spPr>
           <a:xfrm>
-            <a:off x="1882800" y="211680"/>
-            <a:ext cx="27375840" cy="4447080"/>
+            <a:off x="1882800" y="158760"/>
+            <a:ext cx="27375840" cy="4843800"/>
           </a:xfrm>
           <a:prstGeom prst="rect">
             <a:avLst/>
@@ -3051,7 +3051,7 @@
               <a:buNone/>
             </a:pPr>
             <a:r>
-              <a:rPr b="1" lang="en-US" sz="11000" spc="-1" strike="noStrike">
+              <a:rPr b="1" lang="en-US" sz="12000" spc="-1" strike="noStrike">
                 <a:solidFill>
                   <a:srgbClr val="ffffff"/>
                 </a:solidFill>
@@ -3061,7 +3061,7 @@
               <a:t>Regional grey and white matter </a:t>
             </a:r>
             <a:r>
-              <a:rPr b="1" lang="en-US" sz="11000" spc="-1" strike="noStrike">
+              <a:rPr b="1" lang="en-US" sz="12000" spc="-1" strike="noStrike">
                 <a:solidFill>
                   <a:srgbClr val="ffffff"/>
                 </a:solidFill>
@@ -3070,7 +3070,7 @@
               </a:rPr>
               <a:t>asymmetry decreases at higher ages.</a:t>
             </a:r>
-            <a:endParaRPr b="0" lang="en-GB" sz="11000" spc="-1" strike="noStrike">
+            <a:endParaRPr b="0" lang="en-GB" sz="12000" spc="-1" strike="noStrike">
               <a:latin typeface="Arial"/>
             </a:endParaRPr>
           </a:p>
